--- a/Workflow.pptx
+++ b/Workflow.pptx
@@ -104,6 +104,11 @@
       </a:defRPr>
     </a:lvl9pPr>
   </p:defaultTextStyle>
+  <p:extLst>
+    <p:ext uri="{EFAFB233-063F-42B5-8137-9DF3F51BA10A}">
+      <p15:sldGuideLst xmlns:p15="http://schemas.microsoft.com/office/powerpoint/2012/main"/>
+    </p:ext>
+  </p:extLst>
 </p:presentation>
 </file>
 
@@ -238,7 +243,7 @@
           <a:p>
             <a:fld id="{3DBD722F-A615-6740-BC28-F69F878AC0E2}" type="datetimeFigureOut">
               <a:rPr lang="en-GB" smtClean="0"/>
-              <a:t>27/07/2020</a:t>
+              <a:t>11/12/2020</a:t>
             </a:fld>
             <a:endParaRPr lang="en-GB"/>
           </a:p>
@@ -408,7 +413,7 @@
           <a:p>
             <a:fld id="{3DBD722F-A615-6740-BC28-F69F878AC0E2}" type="datetimeFigureOut">
               <a:rPr lang="en-GB" smtClean="0"/>
-              <a:t>27/07/2020</a:t>
+              <a:t>11/12/2020</a:t>
             </a:fld>
             <a:endParaRPr lang="en-GB"/>
           </a:p>
@@ -588,7 +593,7 @@
           <a:p>
             <a:fld id="{3DBD722F-A615-6740-BC28-F69F878AC0E2}" type="datetimeFigureOut">
               <a:rPr lang="en-GB" smtClean="0"/>
-              <a:t>27/07/2020</a:t>
+              <a:t>11/12/2020</a:t>
             </a:fld>
             <a:endParaRPr lang="en-GB"/>
           </a:p>
@@ -758,7 +763,7 @@
           <a:p>
             <a:fld id="{3DBD722F-A615-6740-BC28-F69F878AC0E2}" type="datetimeFigureOut">
               <a:rPr lang="en-GB" smtClean="0"/>
-              <a:t>27/07/2020</a:t>
+              <a:t>11/12/2020</a:t>
             </a:fld>
             <a:endParaRPr lang="en-GB"/>
           </a:p>
@@ -1004,7 +1009,7 @@
           <a:p>
             <a:fld id="{3DBD722F-A615-6740-BC28-F69F878AC0E2}" type="datetimeFigureOut">
               <a:rPr lang="en-GB" smtClean="0"/>
-              <a:t>27/07/2020</a:t>
+              <a:t>11/12/2020</a:t>
             </a:fld>
             <a:endParaRPr lang="en-GB"/>
           </a:p>
@@ -1236,7 +1241,7 @@
           <a:p>
             <a:fld id="{3DBD722F-A615-6740-BC28-F69F878AC0E2}" type="datetimeFigureOut">
               <a:rPr lang="en-GB" smtClean="0"/>
-              <a:t>27/07/2020</a:t>
+              <a:t>11/12/2020</a:t>
             </a:fld>
             <a:endParaRPr lang="en-GB"/>
           </a:p>
@@ -1603,7 +1608,7 @@
           <a:p>
             <a:fld id="{3DBD722F-A615-6740-BC28-F69F878AC0E2}" type="datetimeFigureOut">
               <a:rPr lang="en-GB" smtClean="0"/>
-              <a:t>27/07/2020</a:t>
+              <a:t>11/12/2020</a:t>
             </a:fld>
             <a:endParaRPr lang="en-GB"/>
           </a:p>
@@ -1721,7 +1726,7 @@
           <a:p>
             <a:fld id="{3DBD722F-A615-6740-BC28-F69F878AC0E2}" type="datetimeFigureOut">
               <a:rPr lang="en-GB" smtClean="0"/>
-              <a:t>27/07/2020</a:t>
+              <a:t>11/12/2020</a:t>
             </a:fld>
             <a:endParaRPr lang="en-GB"/>
           </a:p>
@@ -1816,7 +1821,7 @@
           <a:p>
             <a:fld id="{3DBD722F-A615-6740-BC28-F69F878AC0E2}" type="datetimeFigureOut">
               <a:rPr lang="en-GB" smtClean="0"/>
-              <a:t>27/07/2020</a:t>
+              <a:t>11/12/2020</a:t>
             </a:fld>
             <a:endParaRPr lang="en-GB"/>
           </a:p>
@@ -2093,7 +2098,7 @@
           <a:p>
             <a:fld id="{3DBD722F-A615-6740-BC28-F69F878AC0E2}" type="datetimeFigureOut">
               <a:rPr lang="en-GB" smtClean="0"/>
-              <a:t>27/07/2020</a:t>
+              <a:t>11/12/2020</a:t>
             </a:fld>
             <a:endParaRPr lang="en-GB"/>
           </a:p>
@@ -2350,7 +2355,7 @@
           <a:p>
             <a:fld id="{3DBD722F-A615-6740-BC28-F69F878AC0E2}" type="datetimeFigureOut">
               <a:rPr lang="en-GB" smtClean="0"/>
-              <a:t>27/07/2020</a:t>
+              <a:t>11/12/2020</a:t>
             </a:fld>
             <a:endParaRPr lang="en-GB"/>
           </a:p>
@@ -2563,7 +2568,7 @@
           <a:p>
             <a:fld id="{3DBD722F-A615-6740-BC28-F69F878AC0E2}" type="datetimeFigureOut">
               <a:rPr lang="en-GB" smtClean="0"/>
-              <a:t>27/07/2020</a:t>
+              <a:t>11/12/2020</a:t>
             </a:fld>
             <a:endParaRPr lang="en-GB"/>
           </a:p>
@@ -2982,7 +2987,7 @@
         </p:nvSpPr>
         <p:spPr>
           <a:xfrm>
-            <a:off x="450099" y="2675196"/>
+            <a:off x="608331" y="2745424"/>
             <a:ext cx="1446027" cy="646331"/>
           </a:xfrm>
           <a:prstGeom prst="rect">
@@ -3026,8 +3031,8 @@
         </p:nvSpPr>
         <p:spPr>
           <a:xfrm>
-            <a:off x="450098" y="4306673"/>
-            <a:ext cx="1446027" cy="461665"/>
+            <a:off x="608330" y="4376901"/>
+            <a:ext cx="1446027" cy="400110"/>
           </a:xfrm>
           <a:prstGeom prst="rect">
             <a:avLst/>
@@ -3047,7 +3052,7 @@
           <a:p>
             <a:pPr algn="ctr"/>
             <a:r>
-              <a:rPr lang="en-GB" sz="1200" dirty="0">
+              <a:rPr lang="en-GB" sz="1000" dirty="0">
                 <a:latin typeface="Courier" pitchFamily="2" charset="0"/>
                 <a:cs typeface="Futura Medium" panose="020B0602020204020303" pitchFamily="34" charset="-79"/>
               </a:rPr>
@@ -3057,7 +3062,7 @@
           <a:p>
             <a:pPr algn="ctr"/>
             <a:r>
-              <a:rPr lang="en-GB" sz="1200" dirty="0">
+              <a:rPr lang="en-GB" sz="1000" dirty="0">
                 <a:latin typeface="Courier" pitchFamily="2" charset="0"/>
                 <a:cs typeface="Futura Medium" panose="020B0602020204020303" pitchFamily="34" charset="-79"/>
               </a:rPr>
@@ -3094,7 +3099,7 @@
         </p:blipFill>
         <p:spPr>
           <a:xfrm>
-            <a:off x="715911" y="1756330"/>
+            <a:off x="874143" y="1826558"/>
             <a:ext cx="914400" cy="914400"/>
           </a:xfrm>
           <a:prstGeom prst="rect">
@@ -3116,7 +3121,7 @@
         </p:nvSpPr>
         <p:spPr>
           <a:xfrm>
-            <a:off x="2601196" y="2670730"/>
+            <a:off x="2759428" y="2740958"/>
             <a:ext cx="1446027" cy="646331"/>
           </a:xfrm>
           <a:prstGeom prst="rect">
@@ -3160,7 +3165,7 @@
         </p:nvSpPr>
         <p:spPr>
           <a:xfrm>
-            <a:off x="7630164" y="2671038"/>
+            <a:off x="7788396" y="2741266"/>
             <a:ext cx="1971429" cy="646331"/>
           </a:xfrm>
           <a:prstGeom prst="rect">
@@ -3204,7 +3209,7 @@
         </p:nvSpPr>
         <p:spPr>
           <a:xfrm>
-            <a:off x="450098" y="3998896"/>
+            <a:off x="608330" y="4069124"/>
             <a:ext cx="1446027" cy="307777"/>
           </a:xfrm>
           <a:prstGeom prst="rect">
@@ -3247,8 +3252,8 @@
         </p:nvSpPr>
         <p:spPr>
           <a:xfrm>
-            <a:off x="443744" y="5161993"/>
-            <a:ext cx="1446027" cy="461665"/>
+            <a:off x="601976" y="5232221"/>
+            <a:ext cx="1446027" cy="400110"/>
           </a:xfrm>
           <a:prstGeom prst="rect">
             <a:avLst/>
@@ -3268,13 +3273,13 @@
           <a:p>
             <a:pPr algn="ctr"/>
             <a:r>
-              <a:rPr lang="en-GB" sz="1200" dirty="0" err="1">
+              <a:rPr lang="en-GB" sz="1000" dirty="0" err="1">
                 <a:latin typeface="Courier" pitchFamily="2" charset="0"/>
                 <a:cs typeface="Futura Medium" panose="020B0602020204020303" pitchFamily="34" charset="-79"/>
               </a:rPr>
               <a:t>sp</a:t>
             </a:r>
-            <a:endParaRPr lang="en-GB" sz="1200" dirty="0">
+            <a:endParaRPr lang="en-GB" sz="1000" dirty="0">
               <a:latin typeface="Courier" pitchFamily="2" charset="0"/>
               <a:cs typeface="Futura Medium" panose="020B0602020204020303" pitchFamily="34" charset="-79"/>
             </a:endParaRPr>
@@ -3282,7 +3287,7 @@
           <a:p>
             <a:pPr algn="ctr"/>
             <a:r>
-              <a:rPr lang="en-GB" sz="1200" dirty="0">
+              <a:rPr lang="en-GB" sz="1000" dirty="0">
                 <a:latin typeface="Courier" pitchFamily="2" charset="0"/>
                 <a:cs typeface="Futura Medium" panose="020B0602020204020303" pitchFamily="34" charset="-79"/>
               </a:rPr>
@@ -3305,7 +3310,7 @@
         </p:nvSpPr>
         <p:spPr>
           <a:xfrm>
-            <a:off x="443744" y="4854216"/>
+            <a:off x="601976" y="4924444"/>
             <a:ext cx="1446027" cy="307777"/>
           </a:xfrm>
           <a:prstGeom prst="rect">
@@ -3348,8 +3353,8 @@
         </p:nvSpPr>
         <p:spPr>
           <a:xfrm>
-            <a:off x="443743" y="6015503"/>
-            <a:ext cx="1446027" cy="461665"/>
+            <a:off x="601975" y="6085731"/>
+            <a:ext cx="1446027" cy="430887"/>
           </a:xfrm>
           <a:prstGeom prst="rect">
             <a:avLst/>
@@ -3369,13 +3374,13 @@
           <a:p>
             <a:pPr algn="ctr"/>
             <a:r>
-              <a:rPr lang="en-GB" sz="1200" dirty="0" err="1">
+              <a:rPr lang="en-GB" sz="1100" dirty="0" err="1">
                 <a:latin typeface="Courier" pitchFamily="2" charset="0"/>
                 <a:cs typeface="Futura Medium" panose="020B0602020204020303" pitchFamily="34" charset="-79"/>
               </a:rPr>
               <a:t>rgbif</a:t>
             </a:r>
-            <a:endParaRPr lang="en-GB" sz="1200" dirty="0">
+            <a:endParaRPr lang="en-GB" sz="1100" dirty="0">
               <a:latin typeface="Courier" pitchFamily="2" charset="0"/>
               <a:cs typeface="Futura Medium" panose="020B0602020204020303" pitchFamily="34" charset="-79"/>
             </a:endParaRPr>
@@ -3383,13 +3388,13 @@
           <a:p>
             <a:pPr algn="ctr"/>
             <a:r>
-              <a:rPr lang="en-GB" sz="1200" dirty="0" err="1">
+              <a:rPr lang="en-GB" sz="1100" dirty="0" err="1">
                 <a:latin typeface="Courier" pitchFamily="2" charset="0"/>
                 <a:cs typeface="Futura Medium" panose="020B0602020204020303" pitchFamily="34" charset="-79"/>
               </a:rPr>
               <a:t>rnaturalearth</a:t>
             </a:r>
-            <a:endParaRPr lang="en-GB" sz="1200" dirty="0">
+            <a:endParaRPr lang="en-GB" sz="1100" dirty="0">
               <a:latin typeface="Courier" pitchFamily="2" charset="0"/>
               <a:cs typeface="Futura Medium" panose="020B0602020204020303" pitchFamily="34" charset="-79"/>
             </a:endParaRPr>
@@ -3410,7 +3415,7 @@
         </p:nvSpPr>
         <p:spPr>
           <a:xfrm>
-            <a:off x="443744" y="5707725"/>
+            <a:off x="601976" y="5777953"/>
             <a:ext cx="1446027" cy="307777"/>
           </a:xfrm>
           <a:prstGeom prst="rect">
@@ -3457,8 +3462,8 @@
         </p:nvCxnSpPr>
         <p:spPr>
           <a:xfrm rot="10800000" flipV="1">
-            <a:off x="450099" y="2998361"/>
-            <a:ext cx="1" cy="1539144"/>
+            <a:off x="608331" y="3068590"/>
+            <a:ext cx="1" cy="1508366"/>
           </a:xfrm>
           <a:prstGeom prst="bentConnector3">
             <a:avLst>
@@ -3505,8 +3510,8 @@
         </p:nvCxnSpPr>
         <p:spPr>
           <a:xfrm rot="10800000" flipV="1">
-            <a:off x="443745" y="2998361"/>
-            <a:ext cx="6355" cy="2394464"/>
+            <a:off x="601977" y="3068590"/>
+            <a:ext cx="6355" cy="2363686"/>
           </a:xfrm>
           <a:prstGeom prst="bentConnector3">
             <a:avLst>
@@ -3553,8 +3558,8 @@
         </p:nvCxnSpPr>
         <p:spPr>
           <a:xfrm rot="10800000" flipV="1">
-            <a:off x="443742" y="2998361"/>
-            <a:ext cx="6356" cy="3247974"/>
+            <a:off x="601975" y="3068589"/>
+            <a:ext cx="6356" cy="3232585"/>
           </a:xfrm>
           <a:prstGeom prst="bentConnector3">
             <a:avLst>
@@ -3611,7 +3616,7 @@
         </p:blipFill>
         <p:spPr>
           <a:xfrm>
-            <a:off x="1530476" y="5703372"/>
+            <a:off x="1688708" y="5773600"/>
             <a:ext cx="306000" cy="306000"/>
           </a:xfrm>
           <a:prstGeom prst="rect">
@@ -3647,7 +3652,7 @@
         </p:blipFill>
         <p:spPr>
           <a:xfrm>
-            <a:off x="1530476" y="3999783"/>
+            <a:off x="1688708" y="4070011"/>
             <a:ext cx="306000" cy="306000"/>
           </a:xfrm>
           <a:prstGeom prst="rect">
@@ -3683,7 +3688,7 @@
         </p:blipFill>
         <p:spPr>
           <a:xfrm>
-            <a:off x="1530476" y="4849829"/>
+            <a:off x="1688708" y="4920057"/>
             <a:ext cx="306000" cy="306000"/>
           </a:xfrm>
           <a:prstGeom prst="rect">
@@ -3705,7 +3710,7 @@
         </p:nvSpPr>
         <p:spPr>
           <a:xfrm>
-            <a:off x="4752294" y="2671038"/>
+            <a:off x="4910526" y="2741266"/>
             <a:ext cx="2230404" cy="646331"/>
           </a:xfrm>
           <a:prstGeom prst="rect">
@@ -3749,7 +3754,7 @@
         </p:nvSpPr>
         <p:spPr>
           <a:xfrm>
-            <a:off x="10291592" y="2671039"/>
+            <a:off x="10449824" y="2741267"/>
             <a:ext cx="1371600" cy="646331"/>
           </a:xfrm>
           <a:prstGeom prst="rect">
@@ -3807,7 +3812,7 @@
         </p:blipFill>
         <p:spPr>
           <a:xfrm>
-            <a:off x="2964209" y="1853530"/>
+            <a:off x="3122441" y="1923758"/>
             <a:ext cx="720000" cy="720000"/>
           </a:xfrm>
           <a:prstGeom prst="rect">
@@ -3829,8 +3834,8 @@
         </p:nvSpPr>
         <p:spPr>
           <a:xfrm>
-            <a:off x="2598017" y="4300509"/>
-            <a:ext cx="1446027" cy="461665"/>
+            <a:off x="2756249" y="4370737"/>
+            <a:ext cx="1446027" cy="553998"/>
           </a:xfrm>
           <a:prstGeom prst="rect">
             <a:avLst/>
@@ -3850,7 +3855,7 @@
           <a:p>
             <a:pPr algn="ctr"/>
             <a:r>
-              <a:rPr lang="en-GB" sz="1200" dirty="0">
+              <a:rPr lang="en-GB" sz="1000" dirty="0">
                 <a:latin typeface="Courier" pitchFamily="2" charset="0"/>
                 <a:cs typeface="Futura Medium" panose="020B0602020204020303" pitchFamily="34" charset="-79"/>
               </a:rPr>
@@ -3860,13 +3865,25 @@
           <a:p>
             <a:pPr algn="ctr"/>
             <a:r>
-              <a:rPr lang="en-GB" sz="1200" dirty="0">
+              <a:rPr lang="en-GB" sz="1000" dirty="0">
                 <a:latin typeface="Courier" pitchFamily="2" charset="0"/>
                 <a:cs typeface="Futura Medium" panose="020B0602020204020303" pitchFamily="34" charset="-79"/>
               </a:rPr>
               <a:t>stars</a:t>
             </a:r>
           </a:p>
+          <a:p>
+            <a:pPr algn="ctr"/>
+            <a:r>
+              <a:rPr lang="en-US" sz="1000" dirty="0" err="1">
+                <a:latin typeface="Courier" pitchFamily="2" charset="0"/>
+              </a:rPr>
+              <a:t>landscapetools</a:t>
+            </a:r>
+            <a:endParaRPr lang="en-US" sz="1000" dirty="0">
+              <a:latin typeface="Courier" pitchFamily="2" charset="0"/>
+            </a:endParaRPr>
+          </a:p>
         </p:txBody>
       </p:sp>
       <p:sp>
@@ -3883,7 +3900,7 @@
         </p:nvSpPr>
         <p:spPr>
           <a:xfrm>
-            <a:off x="2598017" y="3992732"/>
+            <a:off x="2756249" y="4062960"/>
             <a:ext cx="1446027" cy="307777"/>
           </a:xfrm>
           <a:prstGeom prst="rect">
@@ -3926,8 +3943,8 @@
         </p:nvSpPr>
         <p:spPr>
           <a:xfrm>
-            <a:off x="2591663" y="5155829"/>
-            <a:ext cx="1446027" cy="461665"/>
+            <a:off x="2749895" y="5329574"/>
+            <a:ext cx="1446027" cy="400110"/>
           </a:xfrm>
           <a:prstGeom prst="rect">
             <a:avLst/>
@@ -3947,13 +3964,13 @@
           <a:p>
             <a:pPr algn="ctr"/>
             <a:r>
-              <a:rPr lang="en-GB" sz="1200" dirty="0" err="1">
+              <a:rPr lang="en-GB" sz="1000" dirty="0" err="1">
                 <a:latin typeface="Courier" pitchFamily="2" charset="0"/>
                 <a:cs typeface="Futura Medium" panose="020B0602020204020303" pitchFamily="34" charset="-79"/>
               </a:rPr>
               <a:t>sp</a:t>
             </a:r>
-            <a:endParaRPr lang="en-GB" sz="1200" dirty="0">
+            <a:endParaRPr lang="en-GB" sz="1000" dirty="0">
               <a:latin typeface="Courier" pitchFamily="2" charset="0"/>
               <a:cs typeface="Futura Medium" panose="020B0602020204020303" pitchFamily="34" charset="-79"/>
             </a:endParaRPr>
@@ -3961,7 +3978,7 @@
           <a:p>
             <a:pPr algn="ctr"/>
             <a:r>
-              <a:rPr lang="en-GB" sz="1200" dirty="0">
+              <a:rPr lang="en-GB" sz="1000" dirty="0">
                 <a:latin typeface="Courier" pitchFamily="2" charset="0"/>
                 <a:cs typeface="Futura Medium" panose="020B0602020204020303" pitchFamily="34" charset="-79"/>
               </a:rPr>
@@ -3984,7 +4001,7 @@
         </p:nvSpPr>
         <p:spPr>
           <a:xfrm>
-            <a:off x="2591663" y="4848052"/>
+            <a:off x="2749895" y="5021797"/>
             <a:ext cx="1446027" cy="307777"/>
           </a:xfrm>
           <a:prstGeom prst="rect">
@@ -4041,7 +4058,7 @@
         </p:blipFill>
         <p:spPr>
           <a:xfrm>
-            <a:off x="3678395" y="3993619"/>
+            <a:off x="3836627" y="4063847"/>
             <a:ext cx="306000" cy="306000"/>
           </a:xfrm>
           <a:prstGeom prst="rect">
@@ -4077,7 +4094,7 @@
         </p:blipFill>
         <p:spPr>
           <a:xfrm>
-            <a:off x="3678395" y="4843665"/>
+            <a:off x="3836627" y="5017410"/>
             <a:ext cx="306000" cy="306000"/>
           </a:xfrm>
           <a:prstGeom prst="rect">
@@ -4103,8 +4120,8 @@
         </p:nvCxnSpPr>
         <p:spPr>
           <a:xfrm rot="10800000" flipV="1">
-            <a:off x="2598018" y="2993896"/>
-            <a:ext cx="3179" cy="1537446"/>
+            <a:off x="2756250" y="3064124"/>
+            <a:ext cx="3179" cy="1583612"/>
           </a:xfrm>
           <a:prstGeom prst="bentConnector3">
             <a:avLst>
@@ -4151,8 +4168,8 @@
         </p:nvCxnSpPr>
         <p:spPr>
           <a:xfrm rot="10800000" flipV="1">
-            <a:off x="2591664" y="2993896"/>
-            <a:ext cx="9533" cy="2392766"/>
+            <a:off x="2749896" y="3064123"/>
+            <a:ext cx="9533" cy="2465505"/>
           </a:xfrm>
           <a:prstGeom prst="bentConnector3">
             <a:avLst>
@@ -4195,7 +4212,7 @@
         </p:nvSpPr>
         <p:spPr>
           <a:xfrm>
-            <a:off x="453278" y="734030"/>
+            <a:off x="611510" y="804258"/>
             <a:ext cx="11015211" cy="744279"/>
           </a:xfrm>
           <a:prstGeom prst="homePlate">
@@ -4280,8 +4297,8 @@
         </p:nvSpPr>
         <p:spPr>
           <a:xfrm>
-            <a:off x="4752294" y="4320562"/>
-            <a:ext cx="1701669" cy="461665"/>
+            <a:off x="4910526" y="4390790"/>
+            <a:ext cx="1701669" cy="430887"/>
           </a:xfrm>
           <a:prstGeom prst="rect">
             <a:avLst/>
@@ -4301,7 +4318,7 @@
           <a:p>
             <a:pPr algn="ctr"/>
             <a:r>
-              <a:rPr lang="en-GB" sz="1200" dirty="0">
+              <a:rPr lang="en-GB" sz="1100" dirty="0">
                 <a:latin typeface="Courier" pitchFamily="2" charset="0"/>
                 <a:cs typeface="Futura Medium" panose="020B0602020204020303" pitchFamily="34" charset="-79"/>
               </a:rPr>
@@ -4311,13 +4328,13 @@
           <a:p>
             <a:pPr algn="ctr"/>
             <a:r>
-              <a:rPr lang="en-GB" sz="1200" dirty="0" err="1">
+              <a:rPr lang="en-GB" sz="1100" dirty="0" err="1">
                 <a:latin typeface="Courier" pitchFamily="2" charset="0"/>
                 <a:cs typeface="Futura Medium" panose="020B0602020204020303" pitchFamily="34" charset="-79"/>
               </a:rPr>
               <a:t>belg</a:t>
             </a:r>
-            <a:endParaRPr lang="en-GB" sz="1200" dirty="0">
+            <a:endParaRPr lang="en-GB" sz="1100" dirty="0">
               <a:latin typeface="Courier" pitchFamily="2" charset="0"/>
               <a:cs typeface="Futura Medium" panose="020B0602020204020303" pitchFamily="34" charset="-79"/>
             </a:endParaRPr>
@@ -4338,7 +4355,7 @@
         </p:nvSpPr>
         <p:spPr>
           <a:xfrm>
-            <a:off x="4752294" y="4012785"/>
+            <a:off x="4910526" y="4083013"/>
             <a:ext cx="1701669" cy="307777"/>
           </a:xfrm>
           <a:prstGeom prst="rect">
@@ -4395,7 +4412,7 @@
         </p:blipFill>
         <p:spPr>
           <a:xfrm>
-            <a:off x="5949634" y="4013672"/>
+            <a:off x="6107866" y="4083900"/>
             <a:ext cx="306000" cy="306000"/>
           </a:xfrm>
           <a:prstGeom prst="rect">
@@ -4421,8 +4438,8 @@
         </p:nvCxnSpPr>
         <p:spPr>
           <a:xfrm rot="10800000" flipV="1">
-            <a:off x="4752294" y="2994203"/>
-            <a:ext cx="12700" cy="1557191"/>
+            <a:off x="4910526" y="3064432"/>
+            <a:ext cx="12700" cy="1541802"/>
           </a:xfrm>
           <a:prstGeom prst="bentConnector3">
             <a:avLst>
@@ -4469,8 +4486,8 @@
         </p:nvCxnSpPr>
         <p:spPr>
           <a:xfrm rot="10800000" flipV="1">
-            <a:off x="4752294" y="2994203"/>
-            <a:ext cx="1" cy="2478627"/>
+            <a:off x="4910526" y="3064431"/>
+            <a:ext cx="1" cy="2370905"/>
           </a:xfrm>
           <a:prstGeom prst="bentConnector3">
             <a:avLst>
@@ -4513,8 +4530,8 @@
         </p:nvSpPr>
         <p:spPr>
           <a:xfrm>
-            <a:off x="4752293" y="5149665"/>
-            <a:ext cx="1701669" cy="646331"/>
+            <a:off x="4910525" y="5219893"/>
+            <a:ext cx="1701669" cy="430887"/>
           </a:xfrm>
           <a:prstGeom prst="rect">
             <a:avLst/>
@@ -4534,31 +4551,21 @@
           <a:p>
             <a:pPr algn="ctr"/>
             <a:r>
-              <a:rPr lang="en-GB" sz="1200" dirty="0">
+              <a:rPr lang="en-GB" sz="1100" dirty="0">
                 <a:latin typeface="Courier" pitchFamily="2" charset="0"/>
                 <a:cs typeface="Futura Medium" panose="020B0602020204020303" pitchFamily="34" charset="-79"/>
               </a:rPr>
-              <a:t>??</a:t>
+              <a:t>VLSM</a:t>
             </a:r>
           </a:p>
           <a:p>
             <a:pPr algn="ctr"/>
             <a:r>
-              <a:rPr lang="en-GB" sz="1200" dirty="0">
+              <a:rPr lang="en-GB" sz="1100" dirty="0">
                 <a:latin typeface="Courier" pitchFamily="2" charset="0"/>
                 <a:cs typeface="Futura Medium" panose="020B0602020204020303" pitchFamily="34" charset="-79"/>
               </a:rPr>
-              <a:t>??</a:t>
-            </a:r>
-          </a:p>
-          <a:p>
-            <a:pPr algn="ctr"/>
-            <a:r>
-              <a:rPr lang="en-GB" sz="1200" dirty="0">
-                <a:latin typeface="Courier" pitchFamily="2" charset="0"/>
-                <a:cs typeface="Futura Medium" panose="020B0602020204020303" pitchFamily="34" charset="-79"/>
-              </a:rPr>
-              <a:t>??</a:t>
+              <a:t>sf</a:t>
             </a:r>
           </a:p>
         </p:txBody>
@@ -4577,7 +4584,7 @@
         </p:nvSpPr>
         <p:spPr>
           <a:xfrm>
-            <a:off x="4752293" y="4841888"/>
+            <a:off x="4910525" y="4912116"/>
             <a:ext cx="1701669" cy="307777"/>
           </a:xfrm>
           <a:prstGeom prst="rect">
@@ -4634,7 +4641,7 @@
         </p:blipFill>
         <p:spPr>
           <a:xfrm>
-            <a:off x="5943000" y="4841888"/>
+            <a:off x="6101232" y="4912116"/>
             <a:ext cx="306000" cy="306000"/>
           </a:xfrm>
           <a:prstGeom prst="rect">
@@ -4656,8 +4663,8 @@
         </p:nvSpPr>
         <p:spPr>
           <a:xfrm>
-            <a:off x="7630164" y="4319672"/>
-            <a:ext cx="1446027" cy="276999"/>
+            <a:off x="7788396" y="4389900"/>
+            <a:ext cx="1446027" cy="261610"/>
           </a:xfrm>
           <a:prstGeom prst="rect">
             <a:avLst/>
@@ -4677,7 +4684,7 @@
           <a:p>
             <a:pPr algn="ctr"/>
             <a:r>
-              <a:rPr lang="en-GB" sz="1200" dirty="0">
+              <a:rPr lang="en-GB" sz="1100" dirty="0">
                 <a:latin typeface="Courier" pitchFamily="2" charset="0"/>
                 <a:cs typeface="Futura Medium" panose="020B0602020204020303" pitchFamily="34" charset="-79"/>
               </a:rPr>
@@ -4700,7 +4707,7 @@
         </p:nvSpPr>
         <p:spPr>
           <a:xfrm>
-            <a:off x="7630164" y="4011895"/>
+            <a:off x="7788396" y="4082123"/>
             <a:ext cx="1446027" cy="307777"/>
           </a:xfrm>
           <a:prstGeom prst="rect">
@@ -4757,7 +4764,7 @@
         </p:blipFill>
         <p:spPr>
           <a:xfrm>
-            <a:off x="8710542" y="4012782"/>
+            <a:off x="8868774" y="4083010"/>
             <a:ext cx="306000" cy="306000"/>
           </a:xfrm>
           <a:prstGeom prst="rect">
@@ -4783,8 +4790,8 @@
         </p:nvCxnSpPr>
         <p:spPr>
           <a:xfrm rot="10800000" flipV="1">
-            <a:off x="7630164" y="2994204"/>
-            <a:ext cx="12700" cy="1463968"/>
+            <a:off x="7788396" y="3064431"/>
+            <a:ext cx="12700" cy="1456273"/>
           </a:xfrm>
           <a:prstGeom prst="bentConnector3">
             <a:avLst>
@@ -4815,10 +4822,10 @@
       </p:cxnSp>
       <p:sp>
         <p:nvSpPr>
-          <p:cNvPr id="97" name="TextBox 96">
+          <p:cNvPr id="103" name="TextBox 102">
             <a:extLst>
               <a:ext uri="{FF2B5EF4-FFF2-40B4-BE49-F238E27FC236}">
-                <a16:creationId xmlns:a16="http://schemas.microsoft.com/office/drawing/2014/main" id="{089EEE76-1E23-DA4D-9D9E-49F8849B0ED6}"/>
+                <a16:creationId xmlns:a16="http://schemas.microsoft.com/office/drawing/2014/main" id="{88AD43BB-5B6A-2842-AF75-5BE1CECCD15C}"/>
               </a:ext>
             </a:extLst>
           </p:cNvPr>
@@ -4827,8 +4834,8 @@
         </p:nvSpPr>
         <p:spPr>
           <a:xfrm>
-            <a:off x="10297946" y="4319672"/>
-            <a:ext cx="1446027" cy="461665"/>
+            <a:off x="10410624" y="4388123"/>
+            <a:ext cx="1446027" cy="600164"/>
           </a:xfrm>
           <a:prstGeom prst="rect">
             <a:avLst/>
@@ -4848,31 +4855,53 @@
           <a:p>
             <a:pPr algn="ctr"/>
             <a:r>
-              <a:rPr lang="en-GB" sz="1200" dirty="0">
+              <a:rPr lang="en-GB" sz="1100" dirty="0" err="1">
                 <a:latin typeface="Courier" pitchFamily="2" charset="0"/>
                 <a:cs typeface="Futura Medium" panose="020B0602020204020303" pitchFamily="34" charset="-79"/>
               </a:rPr>
-              <a:t>raster</a:t>
-            </a:r>
+              <a:t>ggspatial</a:t>
+            </a:r>
+            <a:endParaRPr lang="en-GB" sz="1100" dirty="0">
+              <a:latin typeface="Courier" pitchFamily="2" charset="0"/>
+              <a:cs typeface="Futura Medium" panose="020B0602020204020303" pitchFamily="34" charset="-79"/>
+            </a:endParaRPr>
           </a:p>
           <a:p>
             <a:pPr algn="ctr"/>
             <a:r>
-              <a:rPr lang="en-GB" sz="1200" dirty="0">
+              <a:rPr lang="en-GB" sz="1100" dirty="0" err="1">
                 <a:latin typeface="Courier" pitchFamily="2" charset="0"/>
                 <a:cs typeface="Futura Medium" panose="020B0602020204020303" pitchFamily="34" charset="-79"/>
               </a:rPr>
-              <a:t>stars</a:t>
-            </a:r>
-          </a:p>
-        </p:txBody>
-      </p:sp>
-      <p:sp>
-        <p:nvSpPr>
-          <p:cNvPr id="98" name="TextBox 97">
+              <a:t>tmap</a:t>
+            </a:r>
+            <a:endParaRPr lang="en-GB" sz="1100" dirty="0">
+              <a:latin typeface="Courier" pitchFamily="2" charset="0"/>
+              <a:cs typeface="Futura Medium" panose="020B0602020204020303" pitchFamily="34" charset="-79"/>
+            </a:endParaRPr>
+          </a:p>
+          <a:p>
+            <a:pPr algn="ctr"/>
+            <a:r>
+              <a:rPr lang="en-GB" sz="1100" dirty="0" err="1">
+                <a:latin typeface="Courier" pitchFamily="2" charset="0"/>
+                <a:cs typeface="Futura Medium" panose="020B0602020204020303" pitchFamily="34" charset="-79"/>
+              </a:rPr>
+              <a:t>mapview</a:t>
+            </a:r>
+            <a:endParaRPr lang="en-GB" sz="1100" dirty="0">
+              <a:latin typeface="Courier" pitchFamily="2" charset="0"/>
+              <a:cs typeface="Futura Medium" panose="020B0602020204020303" pitchFamily="34" charset="-79"/>
+            </a:endParaRPr>
+          </a:p>
+        </p:txBody>
+      </p:sp>
+      <p:sp>
+        <p:nvSpPr>
+          <p:cNvPr id="104" name="TextBox 103">
             <a:extLst>
               <a:ext uri="{FF2B5EF4-FFF2-40B4-BE49-F238E27FC236}">
-                <a16:creationId xmlns:a16="http://schemas.microsoft.com/office/drawing/2014/main" id="{EF9F27B4-5DFB-2747-BED8-306F92142D22}"/>
+                <a16:creationId xmlns:a16="http://schemas.microsoft.com/office/drawing/2014/main" id="{03EBA60B-136A-7146-8846-36131BB96995}"/>
               </a:ext>
             </a:extLst>
           </p:cNvPr>
@@ -4881,8 +4910,8 @@
         </p:nvSpPr>
         <p:spPr>
           <a:xfrm>
-            <a:off x="10297946" y="4011895"/>
-            <a:ext cx="1446027" cy="307777"/>
+            <a:off x="10410624" y="4088283"/>
+            <a:ext cx="1439678" cy="307777"/>
           </a:xfrm>
           <a:prstGeom prst="rect">
             <a:avLst/>
@@ -4905,280 +4934,6 @@
                 <a:latin typeface="Futura Medium" panose="020B0602020204020303" pitchFamily="34" charset="-79"/>
                 <a:cs typeface="Futura Medium" panose="020B0602020204020303" pitchFamily="34" charset="-79"/>
               </a:rPr>
-              <a:t>Raster data</a:t>
-            </a:r>
-          </a:p>
-        </p:txBody>
-      </p:sp>
-      <p:sp>
-        <p:nvSpPr>
-          <p:cNvPr id="99" name="TextBox 98">
-            <a:extLst>
-              <a:ext uri="{FF2B5EF4-FFF2-40B4-BE49-F238E27FC236}">
-                <a16:creationId xmlns:a16="http://schemas.microsoft.com/office/drawing/2014/main" id="{4E71A523-6AF3-BD40-9D03-FC19A109B986}"/>
-              </a:ext>
-            </a:extLst>
-          </p:cNvPr>
-          <p:cNvSpPr txBox="1"/>
-          <p:nvPr/>
-        </p:nvSpPr>
-        <p:spPr>
-          <a:xfrm>
-            <a:off x="10291592" y="5174992"/>
-            <a:ext cx="1446027" cy="461665"/>
-          </a:xfrm>
-          <a:prstGeom prst="rect">
-            <a:avLst/>
-          </a:prstGeom>
-          <a:noFill/>
-          <a:ln>
-            <a:solidFill>
-              <a:schemeClr val="tx1"/>
-            </a:solidFill>
-          </a:ln>
-        </p:spPr>
-        <p:txBody>
-          <a:bodyPr wrap="square" rtlCol="0">
-            <a:spAutoFit/>
-          </a:bodyPr>
-          <a:lstStyle/>
-          <a:p>
-            <a:pPr algn="ctr"/>
-            <a:r>
-              <a:rPr lang="en-GB" sz="1200" dirty="0" err="1">
-                <a:latin typeface="Courier" pitchFamily="2" charset="0"/>
-                <a:cs typeface="Futura Medium" panose="020B0602020204020303" pitchFamily="34" charset="-79"/>
-              </a:rPr>
-              <a:t>sp</a:t>
-            </a:r>
-            <a:endParaRPr lang="en-GB" sz="1200" dirty="0">
-              <a:latin typeface="Courier" pitchFamily="2" charset="0"/>
-              <a:cs typeface="Futura Medium" panose="020B0602020204020303" pitchFamily="34" charset="-79"/>
-            </a:endParaRPr>
-          </a:p>
-          <a:p>
-            <a:pPr algn="ctr"/>
-            <a:r>
-              <a:rPr lang="en-GB" sz="1200" dirty="0">
-                <a:latin typeface="Courier" pitchFamily="2" charset="0"/>
-                <a:cs typeface="Futura Medium" panose="020B0602020204020303" pitchFamily="34" charset="-79"/>
-              </a:rPr>
-              <a:t>sf</a:t>
-            </a:r>
-          </a:p>
-        </p:txBody>
-      </p:sp>
-      <p:sp>
-        <p:nvSpPr>
-          <p:cNvPr id="100" name="TextBox 99">
-            <a:extLst>
-              <a:ext uri="{FF2B5EF4-FFF2-40B4-BE49-F238E27FC236}">
-                <a16:creationId xmlns:a16="http://schemas.microsoft.com/office/drawing/2014/main" id="{445906E9-026F-B847-86CF-16C5F3C0B5D2}"/>
-              </a:ext>
-            </a:extLst>
-          </p:cNvPr>
-          <p:cNvSpPr txBox="1"/>
-          <p:nvPr/>
-        </p:nvSpPr>
-        <p:spPr>
-          <a:xfrm>
-            <a:off x="10291592" y="4867215"/>
-            <a:ext cx="1446027" cy="307777"/>
-          </a:xfrm>
-          <a:prstGeom prst="rect">
-            <a:avLst/>
-          </a:prstGeom>
-          <a:noFill/>
-          <a:ln>
-            <a:solidFill>
-              <a:schemeClr val="tx1"/>
-            </a:solidFill>
-          </a:ln>
-        </p:spPr>
-        <p:txBody>
-          <a:bodyPr wrap="square" rtlCol="0">
-            <a:spAutoFit/>
-          </a:bodyPr>
-          <a:lstStyle/>
-          <a:p>
-            <a:r>
-              <a:rPr lang="en-GB" sz="1400" dirty="0">
-                <a:latin typeface="Futura Medium" panose="020B0602020204020303" pitchFamily="34" charset="-79"/>
-                <a:cs typeface="Futura Medium" panose="020B0602020204020303" pitchFamily="34" charset="-79"/>
-              </a:rPr>
-              <a:t>Vector data</a:t>
-            </a:r>
-          </a:p>
-        </p:txBody>
-      </p:sp>
-      <p:pic>
-        <p:nvPicPr>
-          <p:cNvPr id="101" name="Graphic 100" descr="Table">
-            <a:extLst>
-              <a:ext uri="{FF2B5EF4-FFF2-40B4-BE49-F238E27FC236}">
-                <a16:creationId xmlns:a16="http://schemas.microsoft.com/office/drawing/2014/main" id="{DACEEB23-A4F0-0645-B36B-BF419EF54055}"/>
-              </a:ext>
-            </a:extLst>
-          </p:cNvPr>
-          <p:cNvPicPr>
-            <a:picLocks noChangeAspect="1"/>
-          </p:cNvPicPr>
-          <p:nvPr/>
-        </p:nvPicPr>
-        <p:blipFill>
-          <a:blip r:embed="rId6">
-            <a:extLst>
-              <a:ext uri="{96DAC541-7B7A-43D3-8B79-37D633B846F1}">
-                <asvg:svgBlip xmlns:asvg="http://schemas.microsoft.com/office/drawing/2016/SVG/main" r:embed="rId7"/>
-              </a:ext>
-            </a:extLst>
-          </a:blip>
-          <a:stretch>
-            <a:fillRect/>
-          </a:stretch>
-        </p:blipFill>
-        <p:spPr>
-          <a:xfrm>
-            <a:off x="11378324" y="4012782"/>
-            <a:ext cx="306000" cy="306000"/>
-          </a:xfrm>
-          <a:prstGeom prst="rect">
-            <a:avLst/>
-          </a:prstGeom>
-        </p:spPr>
-      </p:pic>
-      <p:pic>
-        <p:nvPicPr>
-          <p:cNvPr id="102" name="Graphic 101" descr="World">
-            <a:extLst>
-              <a:ext uri="{FF2B5EF4-FFF2-40B4-BE49-F238E27FC236}">
-                <a16:creationId xmlns:a16="http://schemas.microsoft.com/office/drawing/2014/main" id="{FFF3DCC7-839B-3347-8C45-BB6AAAC6A8B5}"/>
-              </a:ext>
-            </a:extLst>
-          </p:cNvPr>
-          <p:cNvPicPr>
-            <a:picLocks noChangeAspect="1"/>
-          </p:cNvPicPr>
-          <p:nvPr/>
-        </p:nvPicPr>
-        <p:blipFill>
-          <a:blip r:embed="rId8">
-            <a:extLst>
-              <a:ext uri="{96DAC541-7B7A-43D3-8B79-37D633B846F1}">
-                <asvg:svgBlip xmlns:asvg="http://schemas.microsoft.com/office/drawing/2016/SVG/main" r:embed="rId9"/>
-              </a:ext>
-            </a:extLst>
-          </a:blip>
-          <a:stretch>
-            <a:fillRect/>
-          </a:stretch>
-        </p:blipFill>
-        <p:spPr>
-          <a:xfrm>
-            <a:off x="11378324" y="4862828"/>
-            <a:ext cx="306000" cy="306000"/>
-          </a:xfrm>
-          <a:prstGeom prst="rect">
-            <a:avLst/>
-          </a:prstGeom>
-        </p:spPr>
-      </p:pic>
-      <p:sp>
-        <p:nvSpPr>
-          <p:cNvPr id="103" name="TextBox 102">
-            <a:extLst>
-              <a:ext uri="{FF2B5EF4-FFF2-40B4-BE49-F238E27FC236}">
-                <a16:creationId xmlns:a16="http://schemas.microsoft.com/office/drawing/2014/main" id="{88AD43BB-5B6A-2842-AF75-5BE1CECCD15C}"/>
-              </a:ext>
-            </a:extLst>
-          </p:cNvPr>
-          <p:cNvSpPr txBox="1"/>
-          <p:nvPr/>
-        </p:nvSpPr>
-        <p:spPr>
-          <a:xfrm>
-            <a:off x="10297946" y="6044047"/>
-            <a:ext cx="1446027" cy="461665"/>
-          </a:xfrm>
-          <a:prstGeom prst="rect">
-            <a:avLst/>
-          </a:prstGeom>
-          <a:noFill/>
-          <a:ln>
-            <a:solidFill>
-              <a:schemeClr val="tx1"/>
-            </a:solidFill>
-          </a:ln>
-        </p:spPr>
-        <p:txBody>
-          <a:bodyPr wrap="square" rtlCol="0">
-            <a:spAutoFit/>
-          </a:bodyPr>
-          <a:lstStyle/>
-          <a:p>
-            <a:pPr algn="ctr"/>
-            <a:r>
-              <a:rPr lang="en-GB" sz="1200" dirty="0">
-                <a:latin typeface="Courier" pitchFamily="2" charset="0"/>
-                <a:cs typeface="Futura Medium" panose="020B0602020204020303" pitchFamily="34" charset="-79"/>
-              </a:rPr>
-              <a:t>ggplot2</a:t>
-            </a:r>
-          </a:p>
-          <a:p>
-            <a:pPr algn="ctr"/>
-            <a:r>
-              <a:rPr lang="en-GB" sz="1200" dirty="0" err="1">
-                <a:latin typeface="Courier" pitchFamily="2" charset="0"/>
-                <a:cs typeface="Futura Medium" panose="020B0602020204020303" pitchFamily="34" charset="-79"/>
-              </a:rPr>
-              <a:t>tmap</a:t>
-            </a:r>
-            <a:endParaRPr lang="en-GB" sz="1200" dirty="0">
-              <a:latin typeface="Courier" pitchFamily="2" charset="0"/>
-              <a:cs typeface="Futura Medium" panose="020B0602020204020303" pitchFamily="34" charset="-79"/>
-            </a:endParaRPr>
-          </a:p>
-        </p:txBody>
-      </p:sp>
-      <p:sp>
-        <p:nvSpPr>
-          <p:cNvPr id="104" name="TextBox 103">
-            <a:extLst>
-              <a:ext uri="{FF2B5EF4-FFF2-40B4-BE49-F238E27FC236}">
-                <a16:creationId xmlns:a16="http://schemas.microsoft.com/office/drawing/2014/main" id="{03EBA60B-136A-7146-8846-36131BB96995}"/>
-              </a:ext>
-            </a:extLst>
-          </p:cNvPr>
-          <p:cNvSpPr txBox="1"/>
-          <p:nvPr/>
-        </p:nvSpPr>
-        <p:spPr>
-          <a:xfrm>
-            <a:off x="10297947" y="5736269"/>
-            <a:ext cx="1446027" cy="307777"/>
-          </a:xfrm>
-          <a:prstGeom prst="rect">
-            <a:avLst/>
-          </a:prstGeom>
-          <a:noFill/>
-          <a:ln>
-            <a:solidFill>
-              <a:schemeClr val="tx1"/>
-            </a:solidFill>
-          </a:ln>
-        </p:spPr>
-        <p:txBody>
-          <a:bodyPr wrap="square" rtlCol="0">
-            <a:spAutoFit/>
-          </a:bodyPr>
-          <a:lstStyle/>
-          <a:p>
-            <a:r>
-              <a:rPr lang="en-GB" sz="1400" dirty="0">
-                <a:latin typeface="Futura Medium" panose="020B0602020204020303" pitchFamily="34" charset="-79"/>
-                <a:cs typeface="Futura Medium" panose="020B0602020204020303" pitchFamily="34" charset="-79"/>
-              </a:rPr>
               <a:t>Advanced</a:t>
             </a:r>
           </a:p>
@@ -5212,7 +4967,7 @@
         </p:blipFill>
         <p:spPr>
           <a:xfrm>
-            <a:off x="11352327" y="5735379"/>
+            <a:off x="11473721" y="4082123"/>
             <a:ext cx="306000" cy="306000"/>
           </a:xfrm>
           <a:prstGeom prst="rect">
@@ -5220,102 +4975,6 @@
           </a:prstGeom>
         </p:spPr>
       </p:pic>
-      <p:cxnSp>
-        <p:nvCxnSpPr>
-          <p:cNvPr id="108" name="Elbow Connector 107">
-            <a:extLst>
-              <a:ext uri="{FF2B5EF4-FFF2-40B4-BE49-F238E27FC236}">
-                <a16:creationId xmlns:a16="http://schemas.microsoft.com/office/drawing/2014/main" id="{22A1C8EA-AF96-BF46-B291-4E51DF1325C1}"/>
-              </a:ext>
-            </a:extLst>
-          </p:cNvPr>
-          <p:cNvCxnSpPr>
-            <a:cxnSpLocks/>
-            <a:stCxn id="47" idx="1"/>
-            <a:endCxn id="97" idx="1"/>
-          </p:cNvCxnSpPr>
-          <p:nvPr/>
-        </p:nvCxnSpPr>
-        <p:spPr>
-          <a:xfrm rot="10800000" flipH="1" flipV="1">
-            <a:off x="10291592" y="2994205"/>
-            <a:ext cx="6354" cy="1556300"/>
-          </a:xfrm>
-          <a:prstGeom prst="bentConnector3">
-            <a:avLst>
-              <a:gd name="adj1" fmla="val -3597734"/>
-            </a:avLst>
-          </a:prstGeom>
-          <a:ln w="38100">
-            <a:solidFill>
-              <a:schemeClr val="tx1"/>
-            </a:solidFill>
-            <a:tailEnd type="triangle"/>
-          </a:ln>
-        </p:spPr>
-        <p:style>
-          <a:lnRef idx="1">
-            <a:schemeClr val="accent1"/>
-          </a:lnRef>
-          <a:fillRef idx="0">
-            <a:schemeClr val="accent1"/>
-          </a:fillRef>
-          <a:effectRef idx="0">
-            <a:schemeClr val="accent1"/>
-          </a:effectRef>
-          <a:fontRef idx="minor">
-            <a:schemeClr val="tx1"/>
-          </a:fontRef>
-        </p:style>
-      </p:cxnSp>
-      <p:cxnSp>
-        <p:nvCxnSpPr>
-          <p:cNvPr id="114" name="Elbow Connector 113">
-            <a:extLst>
-              <a:ext uri="{FF2B5EF4-FFF2-40B4-BE49-F238E27FC236}">
-                <a16:creationId xmlns:a16="http://schemas.microsoft.com/office/drawing/2014/main" id="{CC23DB11-D568-434D-8970-7CFAAA48D730}"/>
-              </a:ext>
-            </a:extLst>
-          </p:cNvPr>
-          <p:cNvCxnSpPr>
-            <a:cxnSpLocks/>
-            <a:stCxn id="47" idx="1"/>
-            <a:endCxn id="99" idx="1"/>
-          </p:cNvCxnSpPr>
-          <p:nvPr/>
-        </p:nvCxnSpPr>
-        <p:spPr>
-          <a:xfrm rot="10800000" flipV="1">
-            <a:off x="10291592" y="2994205"/>
-            <a:ext cx="12700" cy="2411620"/>
-          </a:xfrm>
-          <a:prstGeom prst="bentConnector3">
-            <a:avLst>
-              <a:gd name="adj1" fmla="val 1800000"/>
-            </a:avLst>
-          </a:prstGeom>
-          <a:ln w="38100">
-            <a:solidFill>
-              <a:schemeClr val="tx1"/>
-            </a:solidFill>
-            <a:tailEnd type="triangle"/>
-          </a:ln>
-        </p:spPr>
-        <p:style>
-          <a:lnRef idx="1">
-            <a:schemeClr val="accent1"/>
-          </a:lnRef>
-          <a:fillRef idx="0">
-            <a:schemeClr val="accent1"/>
-          </a:fillRef>
-          <a:effectRef idx="0">
-            <a:schemeClr val="accent1"/>
-          </a:effectRef>
-          <a:fontRef idx="minor">
-            <a:schemeClr val="tx1"/>
-          </a:fontRef>
-        </p:style>
-      </p:cxnSp>
       <p:cxnSp>
         <p:nvCxnSpPr>
           <p:cNvPr id="118" name="Elbow Connector 117">
@@ -5333,13 +4992,13 @@
           <p:nvPr/>
         </p:nvCxnSpPr>
         <p:spPr>
-          <a:xfrm rot="10800000" flipH="1" flipV="1">
-            <a:off x="10291592" y="2994204"/>
-            <a:ext cx="6354" cy="3280675"/>
+          <a:xfrm rot="10800000" flipV="1">
+            <a:off x="10410624" y="3064433"/>
+            <a:ext cx="39200" cy="1623772"/>
           </a:xfrm>
           <a:prstGeom prst="bentConnector3">
             <a:avLst>
-              <a:gd name="adj1" fmla="val -3597734"/>
+              <a:gd name="adj1" fmla="val 683163"/>
             </a:avLst>
           </a:prstGeom>
           <a:ln w="38100">
@@ -5392,7 +5051,7 @@
         </p:blipFill>
         <p:spPr>
           <a:xfrm>
-            <a:off x="5507496" y="1853530"/>
+            <a:off x="5665728" y="1923758"/>
             <a:ext cx="720000" cy="720000"/>
           </a:xfrm>
           <a:prstGeom prst="rect">
@@ -5428,7 +5087,7 @@
         </p:blipFill>
         <p:spPr>
           <a:xfrm>
-            <a:off x="10613373" y="1859571"/>
+            <a:off x="10771605" y="1929799"/>
             <a:ext cx="720000" cy="720000"/>
           </a:xfrm>
           <a:prstGeom prst="rect">
@@ -5464,7 +5123,7 @@
         </p:blipFill>
         <p:spPr>
           <a:xfrm>
-            <a:off x="8255878" y="1853530"/>
+            <a:off x="8414110" y="1923758"/>
             <a:ext cx="720000" cy="720000"/>
           </a:xfrm>
           <a:prstGeom prst="rect">
@@ -5472,6 +5131,194 @@
           </a:prstGeom>
         </p:spPr>
       </p:pic>
+      <p:sp>
+        <p:nvSpPr>
+          <p:cNvPr id="60" name="TextBox 59">
+            <a:extLst>
+              <a:ext uri="{FF2B5EF4-FFF2-40B4-BE49-F238E27FC236}">
+                <a16:creationId xmlns:a16="http://schemas.microsoft.com/office/drawing/2014/main" id="{BCFC4838-786C-E149-AD99-E5D186F3D102}"/>
+              </a:ext>
+            </a:extLst>
+          </p:cNvPr>
+          <p:cNvSpPr txBox="1"/>
+          <p:nvPr/>
+        </p:nvSpPr>
+        <p:spPr>
+          <a:xfrm>
+            <a:off x="2756249" y="6167303"/>
+            <a:ext cx="1446027" cy="400110"/>
+          </a:xfrm>
+          <a:prstGeom prst="rect">
+            <a:avLst/>
+          </a:prstGeom>
+          <a:noFill/>
+          <a:ln>
+            <a:solidFill>
+              <a:schemeClr val="tx1"/>
+            </a:solidFill>
+          </a:ln>
+        </p:spPr>
+        <p:txBody>
+          <a:bodyPr wrap="square" rtlCol="0">
+            <a:spAutoFit/>
+          </a:bodyPr>
+          <a:lstStyle/>
+          <a:p>
+            <a:pPr algn="ctr"/>
+            <a:r>
+              <a:rPr lang="en-US" sz="1000" dirty="0" err="1">
+                <a:latin typeface="Courier" pitchFamily="2" charset="0"/>
+              </a:rPr>
+              <a:t>gdalUtils</a:t>
+            </a:r>
+            <a:endParaRPr lang="en-GB" sz="1000" dirty="0">
+              <a:latin typeface="Courier" pitchFamily="2" charset="0"/>
+              <a:cs typeface="Futura Medium" panose="020B0602020204020303" pitchFamily="34" charset="-79"/>
+            </a:endParaRPr>
+          </a:p>
+          <a:p>
+            <a:pPr algn="ctr"/>
+            <a:r>
+              <a:rPr lang="en-US" sz="1000" dirty="0">
+                <a:latin typeface="Courier" pitchFamily="2" charset="0"/>
+                <a:cs typeface="Futura Medium" panose="020B0602020204020303" pitchFamily="34" charset="-79"/>
+              </a:rPr>
+              <a:t>rgrass7</a:t>
+            </a:r>
+            <a:endParaRPr lang="en-GB" sz="1000" dirty="0">
+              <a:latin typeface="Courier" pitchFamily="2" charset="0"/>
+              <a:cs typeface="Futura Medium" panose="020B0602020204020303" pitchFamily="34" charset="-79"/>
+            </a:endParaRPr>
+          </a:p>
+        </p:txBody>
+      </p:sp>
+      <p:sp>
+        <p:nvSpPr>
+          <p:cNvPr id="61" name="TextBox 60">
+            <a:extLst>
+              <a:ext uri="{FF2B5EF4-FFF2-40B4-BE49-F238E27FC236}">
+                <a16:creationId xmlns:a16="http://schemas.microsoft.com/office/drawing/2014/main" id="{AA683B63-02F8-FB44-84DA-7C510F7B19AF}"/>
+              </a:ext>
+            </a:extLst>
+          </p:cNvPr>
+          <p:cNvSpPr txBox="1"/>
+          <p:nvPr/>
+        </p:nvSpPr>
+        <p:spPr>
+          <a:xfrm>
+            <a:off x="2756249" y="5859526"/>
+            <a:ext cx="1446027" cy="307777"/>
+          </a:xfrm>
+          <a:prstGeom prst="rect">
+            <a:avLst/>
+          </a:prstGeom>
+          <a:noFill/>
+          <a:ln>
+            <a:solidFill>
+              <a:schemeClr val="tx1"/>
+            </a:solidFill>
+          </a:ln>
+        </p:spPr>
+        <p:txBody>
+          <a:bodyPr wrap="square" rtlCol="0">
+            <a:spAutoFit/>
+          </a:bodyPr>
+          <a:lstStyle/>
+          <a:p>
+            <a:r>
+              <a:rPr lang="en-GB" sz="1400" dirty="0">
+                <a:latin typeface="Futura Medium" panose="020B0602020204020303" pitchFamily="34" charset="-79"/>
+                <a:cs typeface="Futura Medium" panose="020B0602020204020303" pitchFamily="34" charset="-79"/>
+              </a:rPr>
+              <a:t>Bridge tools</a:t>
+            </a:r>
+          </a:p>
+        </p:txBody>
+      </p:sp>
+      <p:pic>
+        <p:nvPicPr>
+          <p:cNvPr id="8" name="Graphic 7" descr="Bridge scene with solid fill">
+            <a:extLst>
+              <a:ext uri="{FF2B5EF4-FFF2-40B4-BE49-F238E27FC236}">
+                <a16:creationId xmlns:a16="http://schemas.microsoft.com/office/drawing/2014/main" id="{C074859B-72B7-0B48-982D-C9AAE3C6F31E}"/>
+              </a:ext>
+            </a:extLst>
+          </p:cNvPr>
+          <p:cNvPicPr>
+            <a:picLocks noChangeAspect="1"/>
+          </p:cNvPicPr>
+          <p:nvPr/>
+        </p:nvPicPr>
+        <p:blipFill>
+          <a:blip r:embed="rId20">
+            <a:extLst>
+              <a:ext uri="{96DAC541-7B7A-43D3-8B79-37D633B846F1}">
+                <asvg:svgBlip xmlns:asvg="http://schemas.microsoft.com/office/drawing/2016/SVG/main" r:embed="rId21"/>
+              </a:ext>
+            </a:extLst>
+          </a:blip>
+          <a:stretch>
+            <a:fillRect/>
+          </a:stretch>
+        </p:blipFill>
+        <p:spPr>
+          <a:xfrm>
+            <a:off x="3836627" y="5853362"/>
+            <a:ext cx="306000" cy="306000"/>
+          </a:xfrm>
+          <a:prstGeom prst="rect">
+            <a:avLst/>
+          </a:prstGeom>
+        </p:spPr>
+      </p:pic>
+      <p:cxnSp>
+        <p:nvCxnSpPr>
+          <p:cNvPr id="64" name="Elbow Connector 63">
+            <a:extLst>
+              <a:ext uri="{FF2B5EF4-FFF2-40B4-BE49-F238E27FC236}">
+                <a16:creationId xmlns:a16="http://schemas.microsoft.com/office/drawing/2014/main" id="{29ACCD02-DF4C-3F48-95FE-AA3BC59C1D48}"/>
+              </a:ext>
+            </a:extLst>
+          </p:cNvPr>
+          <p:cNvCxnSpPr>
+            <a:cxnSpLocks/>
+            <a:stCxn id="7" idx="1"/>
+            <a:endCxn id="60" idx="1"/>
+          </p:cNvCxnSpPr>
+          <p:nvPr/>
+        </p:nvCxnSpPr>
+        <p:spPr>
+          <a:xfrm rot="10800000" flipV="1">
+            <a:off x="2756250" y="3064124"/>
+            <a:ext cx="3179" cy="3303234"/>
+          </a:xfrm>
+          <a:prstGeom prst="bentConnector3">
+            <a:avLst>
+              <a:gd name="adj1" fmla="val 7290941"/>
+            </a:avLst>
+          </a:prstGeom>
+          <a:ln w="38100">
+            <a:solidFill>
+              <a:schemeClr val="tx1"/>
+            </a:solidFill>
+            <a:tailEnd type="triangle"/>
+          </a:ln>
+        </p:spPr>
+        <p:style>
+          <a:lnRef idx="1">
+            <a:schemeClr val="accent1"/>
+          </a:lnRef>
+          <a:fillRef idx="0">
+            <a:schemeClr val="accent1"/>
+          </a:fillRef>
+          <a:effectRef idx="0">
+            <a:schemeClr val="accent1"/>
+          </a:effectRef>
+          <a:fontRef idx="minor">
+            <a:schemeClr val="tx1"/>
+          </a:fontRef>
+        </p:style>
+      </p:cxnSp>
     </p:spTree>
     <p:extLst>
       <p:ext uri="{BB962C8B-B14F-4D97-AF65-F5344CB8AC3E}">

--- a/Workflow.pptx
+++ b/Workflow.pptx
@@ -6,6 +6,7 @@
   </p:sldMasterIdLst>
   <p:sldIdLst>
     <p:sldId id="257" r:id="rId2"/>
+    <p:sldId id="258" r:id="rId3"/>
   </p:sldIdLst>
   <p:sldSz cx="12192000" cy="6858000"/>
   <p:notesSz cx="6858000" cy="9144000"/>
@@ -5332,6 +5333,2350 @@
 </p:sld>
 </file>
 
+<file path=ppt/slides/slide2.xml><?xml version="1.0" encoding="utf-8"?>
+<p:sld xmlns:a="http://schemas.openxmlformats.org/drawingml/2006/main" xmlns:r="http://schemas.openxmlformats.org/officeDocument/2006/relationships" xmlns:p="http://schemas.openxmlformats.org/presentationml/2006/main">
+  <p:cSld>
+    <p:spTree>
+      <p:nvGrpSpPr>
+        <p:cNvPr id="1" name=""/>
+        <p:cNvGrpSpPr/>
+        <p:nvPr/>
+      </p:nvGrpSpPr>
+      <p:grpSpPr>
+        <a:xfrm>
+          <a:off x="0" y="0"/>
+          <a:ext cx="0" cy="0"/>
+          <a:chOff x="0" y="0"/>
+          <a:chExt cx="0" cy="0"/>
+        </a:xfrm>
+      </p:grpSpPr>
+      <p:cxnSp>
+        <p:nvCxnSpPr>
+          <p:cNvPr id="68" name="Straight Connector 67">
+            <a:extLst>
+              <a:ext uri="{FF2B5EF4-FFF2-40B4-BE49-F238E27FC236}">
+                <a16:creationId xmlns:a16="http://schemas.microsoft.com/office/drawing/2014/main" id="{B0BA1D8A-E8FD-2A42-888E-DACE5A54170B}"/>
+              </a:ext>
+            </a:extLst>
+          </p:cNvPr>
+          <p:cNvCxnSpPr>
+            <a:cxnSpLocks/>
+            <a:stCxn id="2" idx="2"/>
+            <a:endCxn id="7" idx="0"/>
+          </p:cNvCxnSpPr>
+          <p:nvPr/>
+        </p:nvCxnSpPr>
+        <p:spPr>
+          <a:xfrm>
+            <a:off x="875376" y="2061030"/>
+            <a:ext cx="0" cy="179025"/>
+          </a:xfrm>
+          <a:prstGeom prst="line">
+            <a:avLst/>
+          </a:prstGeom>
+          <a:ln w="38100">
+            <a:solidFill>
+              <a:schemeClr val="tx1"/>
+            </a:solidFill>
+          </a:ln>
+        </p:spPr>
+        <p:style>
+          <a:lnRef idx="1">
+            <a:schemeClr val="accent1"/>
+          </a:lnRef>
+          <a:fillRef idx="0">
+            <a:schemeClr val="accent1"/>
+          </a:fillRef>
+          <a:effectRef idx="0">
+            <a:schemeClr val="accent1"/>
+          </a:effectRef>
+          <a:fontRef idx="minor">
+            <a:schemeClr val="tx1"/>
+          </a:fontRef>
+        </p:style>
+      </p:cxnSp>
+      <p:sp>
+        <p:nvSpPr>
+          <p:cNvPr id="2" name="TextBox 1">
+            <a:extLst>
+              <a:ext uri="{FF2B5EF4-FFF2-40B4-BE49-F238E27FC236}">
+                <a16:creationId xmlns:a16="http://schemas.microsoft.com/office/drawing/2014/main" id="{CFEA73F3-6B20-9F43-B3E1-7DA7573E600D}"/>
+              </a:ext>
+            </a:extLst>
+          </p:cNvPr>
+          <p:cNvSpPr txBox="1"/>
+          <p:nvPr/>
+        </p:nvSpPr>
+        <p:spPr>
+          <a:xfrm>
+            <a:off x="254376" y="1537810"/>
+            <a:ext cx="1242000" cy="523220"/>
+          </a:xfrm>
+          <a:prstGeom prst="rect">
+            <a:avLst/>
+          </a:prstGeom>
+          <a:noFill/>
+          <a:ln>
+            <a:solidFill>
+              <a:schemeClr val="tx1"/>
+            </a:solidFill>
+          </a:ln>
+        </p:spPr>
+        <p:txBody>
+          <a:bodyPr wrap="square" rtlCol="0">
+            <a:spAutoFit/>
+          </a:bodyPr>
+          <a:lstStyle/>
+          <a:p>
+            <a:pPr algn="ctr"/>
+            <a:r>
+              <a:rPr lang="en-GB" sz="1400" dirty="0">
+                <a:latin typeface="Futura Medium" panose="020B0602020204020303" pitchFamily="34" charset="-79"/>
+                <a:cs typeface="Futura Medium" panose="020B0602020204020303" pitchFamily="34" charset="-79"/>
+              </a:rPr>
+              <a:t>Import spatial data</a:t>
+            </a:r>
+          </a:p>
+        </p:txBody>
+      </p:sp>
+      <p:sp>
+        <p:nvSpPr>
+          <p:cNvPr id="3" name="TextBox 2">
+            <a:extLst>
+              <a:ext uri="{FF2B5EF4-FFF2-40B4-BE49-F238E27FC236}">
+                <a16:creationId xmlns:a16="http://schemas.microsoft.com/office/drawing/2014/main" id="{846AA0A6-3D15-B044-9982-C60DA7900614}"/>
+              </a:ext>
+            </a:extLst>
+          </p:cNvPr>
+          <p:cNvSpPr txBox="1"/>
+          <p:nvPr/>
+        </p:nvSpPr>
+        <p:spPr>
+          <a:xfrm>
+            <a:off x="254376" y="2523709"/>
+            <a:ext cx="1242000" cy="400110"/>
+          </a:xfrm>
+          <a:prstGeom prst="rect">
+            <a:avLst/>
+          </a:prstGeom>
+          <a:noFill/>
+          <a:ln>
+            <a:solidFill>
+              <a:schemeClr val="tx1"/>
+            </a:solidFill>
+          </a:ln>
+        </p:spPr>
+        <p:txBody>
+          <a:bodyPr wrap="square" rtlCol="0">
+            <a:spAutoFit/>
+          </a:bodyPr>
+          <a:lstStyle/>
+          <a:p>
+            <a:pPr algn="ctr"/>
+            <a:r>
+              <a:rPr lang="en-GB" sz="1000" dirty="0">
+                <a:latin typeface="Courier" pitchFamily="2" charset="0"/>
+                <a:cs typeface="Futura Medium" panose="020B0602020204020303" pitchFamily="34" charset="-79"/>
+              </a:rPr>
+              <a:t>raster</a:t>
+            </a:r>
+          </a:p>
+          <a:p>
+            <a:pPr algn="ctr"/>
+            <a:r>
+              <a:rPr lang="en-GB" sz="1000" dirty="0">
+                <a:latin typeface="Courier" pitchFamily="2" charset="0"/>
+                <a:cs typeface="Futura Medium" panose="020B0602020204020303" pitchFamily="34" charset="-79"/>
+              </a:rPr>
+              <a:t>stars</a:t>
+            </a:r>
+          </a:p>
+        </p:txBody>
+      </p:sp>
+      <p:pic>
+        <p:nvPicPr>
+          <p:cNvPr id="4" name="Graphic 3" descr="Database">
+            <a:extLst>
+              <a:ext uri="{FF2B5EF4-FFF2-40B4-BE49-F238E27FC236}">
+                <a16:creationId xmlns:a16="http://schemas.microsoft.com/office/drawing/2014/main" id="{A9092ACA-486B-3B48-B15A-861BDCE2F1C6}"/>
+              </a:ext>
+            </a:extLst>
+          </p:cNvPr>
+          <p:cNvPicPr>
+            <a:picLocks noChangeAspect="1"/>
+          </p:cNvPicPr>
+          <p:nvPr/>
+        </p:nvPicPr>
+        <p:blipFill>
+          <a:blip r:embed="rId2">
+            <a:extLst>
+              <a:ext uri="{96DAC541-7B7A-43D3-8B79-37D633B846F1}">
+                <asvg:svgBlip xmlns:asvg="http://schemas.microsoft.com/office/drawing/2016/SVG/main" r:embed="rId3"/>
+              </a:ext>
+            </a:extLst>
+          </a:blip>
+          <a:stretch>
+            <a:fillRect/>
+          </a:stretch>
+        </p:blipFill>
+        <p:spPr>
+          <a:xfrm>
+            <a:off x="569716" y="982421"/>
+            <a:ext cx="540000" cy="540000"/>
+          </a:xfrm>
+          <a:prstGeom prst="rect">
+            <a:avLst/>
+          </a:prstGeom>
+        </p:spPr>
+      </p:pic>
+      <p:sp>
+        <p:nvSpPr>
+          <p:cNvPr id="5" name="TextBox 4">
+            <a:extLst>
+              <a:ext uri="{FF2B5EF4-FFF2-40B4-BE49-F238E27FC236}">
+                <a16:creationId xmlns:a16="http://schemas.microsoft.com/office/drawing/2014/main" id="{02594D6C-1624-EA4B-A378-9D3A906D0FA3}"/>
+              </a:ext>
+            </a:extLst>
+          </p:cNvPr>
+          <p:cNvSpPr txBox="1"/>
+          <p:nvPr/>
+        </p:nvSpPr>
+        <p:spPr>
+          <a:xfrm>
+            <a:off x="1766048" y="1563208"/>
+            <a:ext cx="1242000" cy="523220"/>
+          </a:xfrm>
+          <a:prstGeom prst="rect">
+            <a:avLst/>
+          </a:prstGeom>
+          <a:noFill/>
+          <a:ln>
+            <a:solidFill>
+              <a:schemeClr val="tx1"/>
+            </a:solidFill>
+          </a:ln>
+        </p:spPr>
+        <p:txBody>
+          <a:bodyPr wrap="square" rtlCol="0">
+            <a:spAutoFit/>
+          </a:bodyPr>
+          <a:lstStyle/>
+          <a:p>
+            <a:pPr algn="ctr"/>
+            <a:r>
+              <a:rPr lang="en-GB" sz="1400" dirty="0">
+                <a:latin typeface="Futura Medium" panose="020B0602020204020303" pitchFamily="34" charset="-79"/>
+                <a:cs typeface="Futura Medium" panose="020B0602020204020303" pitchFamily="34" charset="-79"/>
+              </a:rPr>
+              <a:t>Pre-process spatial data</a:t>
+            </a:r>
+          </a:p>
+        </p:txBody>
+      </p:sp>
+      <p:sp>
+        <p:nvSpPr>
+          <p:cNvPr id="6" name="TextBox 5">
+            <a:extLst>
+              <a:ext uri="{FF2B5EF4-FFF2-40B4-BE49-F238E27FC236}">
+                <a16:creationId xmlns:a16="http://schemas.microsoft.com/office/drawing/2014/main" id="{32A407CF-3AFE-BE4B-8A66-41196F089702}"/>
+              </a:ext>
+            </a:extLst>
+          </p:cNvPr>
+          <p:cNvSpPr txBox="1"/>
+          <p:nvPr/>
+        </p:nvSpPr>
+        <p:spPr>
+          <a:xfrm>
+            <a:off x="5300065" y="1563208"/>
+            <a:ext cx="1566000" cy="523220"/>
+          </a:xfrm>
+          <a:prstGeom prst="rect">
+            <a:avLst/>
+          </a:prstGeom>
+          <a:noFill/>
+          <a:ln>
+            <a:solidFill>
+              <a:schemeClr val="tx1"/>
+            </a:solidFill>
+          </a:ln>
+        </p:spPr>
+        <p:txBody>
+          <a:bodyPr wrap="square" rtlCol="0">
+            <a:spAutoFit/>
+          </a:bodyPr>
+          <a:lstStyle/>
+          <a:p>
+            <a:pPr algn="ctr"/>
+            <a:r>
+              <a:rPr lang="en-GB" sz="1400" dirty="0">
+                <a:latin typeface="Futura Medium" panose="020B0602020204020303" pitchFamily="34" charset="-79"/>
+                <a:cs typeface="Futura Medium" panose="020B0602020204020303" pitchFamily="34" charset="-79"/>
+              </a:rPr>
+              <a:t>Comparison with null hypothesis</a:t>
+            </a:r>
+          </a:p>
+        </p:txBody>
+      </p:sp>
+      <p:sp>
+        <p:nvSpPr>
+          <p:cNvPr id="7" name="TextBox 6">
+            <a:extLst>
+              <a:ext uri="{FF2B5EF4-FFF2-40B4-BE49-F238E27FC236}">
+                <a16:creationId xmlns:a16="http://schemas.microsoft.com/office/drawing/2014/main" id="{6A368B40-B7AB-6845-AF1F-CFBBF96B4B24}"/>
+              </a:ext>
+            </a:extLst>
+          </p:cNvPr>
+          <p:cNvSpPr txBox="1"/>
+          <p:nvPr/>
+        </p:nvSpPr>
+        <p:spPr>
+          <a:xfrm>
+            <a:off x="254376" y="2240055"/>
+            <a:ext cx="1242000" cy="276999"/>
+          </a:xfrm>
+          <a:prstGeom prst="rect">
+            <a:avLst/>
+          </a:prstGeom>
+          <a:noFill/>
+          <a:ln>
+            <a:solidFill>
+              <a:schemeClr val="tx1"/>
+            </a:solidFill>
+          </a:ln>
+        </p:spPr>
+        <p:txBody>
+          <a:bodyPr wrap="square" rtlCol="0">
+            <a:spAutoFit/>
+          </a:bodyPr>
+          <a:lstStyle/>
+          <a:p>
+            <a:r>
+              <a:rPr lang="en-GB" sz="1200" dirty="0">
+                <a:latin typeface="Futura Medium" panose="020B0602020204020303" pitchFamily="34" charset="-79"/>
+                <a:cs typeface="Futura Medium" panose="020B0602020204020303" pitchFamily="34" charset="-79"/>
+              </a:rPr>
+              <a:t>Raster data</a:t>
+            </a:r>
+          </a:p>
+        </p:txBody>
+      </p:sp>
+      <p:sp>
+        <p:nvSpPr>
+          <p:cNvPr id="8" name="TextBox 7">
+            <a:extLst>
+              <a:ext uri="{FF2B5EF4-FFF2-40B4-BE49-F238E27FC236}">
+                <a16:creationId xmlns:a16="http://schemas.microsoft.com/office/drawing/2014/main" id="{F8DAC329-1763-8749-AA3A-948027D5EC1F}"/>
+              </a:ext>
+            </a:extLst>
+          </p:cNvPr>
+          <p:cNvSpPr txBox="1"/>
+          <p:nvPr/>
+        </p:nvSpPr>
+        <p:spPr>
+          <a:xfrm>
+            <a:off x="256780" y="3316291"/>
+            <a:ext cx="1242000" cy="400110"/>
+          </a:xfrm>
+          <a:prstGeom prst="rect">
+            <a:avLst/>
+          </a:prstGeom>
+          <a:noFill/>
+          <a:ln>
+            <a:solidFill>
+              <a:schemeClr val="tx1"/>
+            </a:solidFill>
+          </a:ln>
+        </p:spPr>
+        <p:txBody>
+          <a:bodyPr wrap="square" rtlCol="0">
+            <a:spAutoFit/>
+          </a:bodyPr>
+          <a:lstStyle/>
+          <a:p>
+            <a:pPr algn="ctr"/>
+            <a:r>
+              <a:rPr lang="en-GB" sz="1000" dirty="0" err="1">
+                <a:latin typeface="Courier" pitchFamily="2" charset="0"/>
+                <a:cs typeface="Futura Medium" panose="020B0602020204020303" pitchFamily="34" charset="-79"/>
+              </a:rPr>
+              <a:t>sp</a:t>
+            </a:r>
+            <a:endParaRPr lang="en-GB" sz="1000" dirty="0">
+              <a:latin typeface="Courier" pitchFamily="2" charset="0"/>
+              <a:cs typeface="Futura Medium" panose="020B0602020204020303" pitchFamily="34" charset="-79"/>
+            </a:endParaRPr>
+          </a:p>
+          <a:p>
+            <a:pPr algn="ctr"/>
+            <a:r>
+              <a:rPr lang="en-GB" sz="1000" dirty="0">
+                <a:latin typeface="Courier" pitchFamily="2" charset="0"/>
+                <a:cs typeface="Futura Medium" panose="020B0602020204020303" pitchFamily="34" charset="-79"/>
+              </a:rPr>
+              <a:t>sf</a:t>
+            </a:r>
+          </a:p>
+        </p:txBody>
+      </p:sp>
+      <p:sp>
+        <p:nvSpPr>
+          <p:cNvPr id="9" name="TextBox 8">
+            <a:extLst>
+              <a:ext uri="{FF2B5EF4-FFF2-40B4-BE49-F238E27FC236}">
+                <a16:creationId xmlns:a16="http://schemas.microsoft.com/office/drawing/2014/main" id="{E0E35A45-A8A9-D440-928E-F519521C22CC}"/>
+              </a:ext>
+            </a:extLst>
+          </p:cNvPr>
+          <p:cNvSpPr txBox="1"/>
+          <p:nvPr/>
+        </p:nvSpPr>
+        <p:spPr>
+          <a:xfrm>
+            <a:off x="254376" y="3039292"/>
+            <a:ext cx="1242000" cy="276999"/>
+          </a:xfrm>
+          <a:prstGeom prst="rect">
+            <a:avLst/>
+          </a:prstGeom>
+          <a:noFill/>
+          <a:ln>
+            <a:solidFill>
+              <a:schemeClr val="tx1"/>
+            </a:solidFill>
+          </a:ln>
+        </p:spPr>
+        <p:txBody>
+          <a:bodyPr wrap="square" rtlCol="0">
+            <a:spAutoFit/>
+          </a:bodyPr>
+          <a:lstStyle/>
+          <a:p>
+            <a:r>
+              <a:rPr lang="en-GB" sz="1200" dirty="0">
+                <a:latin typeface="Futura Medium" panose="020B0602020204020303" pitchFamily="34" charset="-79"/>
+                <a:cs typeface="Futura Medium" panose="020B0602020204020303" pitchFamily="34" charset="-79"/>
+              </a:rPr>
+              <a:t>Vector data</a:t>
+            </a:r>
+          </a:p>
+        </p:txBody>
+      </p:sp>
+      <p:sp>
+        <p:nvSpPr>
+          <p:cNvPr id="10" name="TextBox 9">
+            <a:extLst>
+              <a:ext uri="{FF2B5EF4-FFF2-40B4-BE49-F238E27FC236}">
+                <a16:creationId xmlns:a16="http://schemas.microsoft.com/office/drawing/2014/main" id="{92F16A69-82CB-DE4F-9F91-AAE472D304D1}"/>
+              </a:ext>
+            </a:extLst>
+          </p:cNvPr>
+          <p:cNvSpPr txBox="1"/>
+          <p:nvPr/>
+        </p:nvSpPr>
+        <p:spPr>
+          <a:xfrm>
+            <a:off x="253813" y="4108873"/>
+            <a:ext cx="1242000" cy="400110"/>
+          </a:xfrm>
+          <a:prstGeom prst="rect">
+            <a:avLst/>
+          </a:prstGeom>
+          <a:noFill/>
+          <a:ln>
+            <a:solidFill>
+              <a:schemeClr val="tx1"/>
+            </a:solidFill>
+          </a:ln>
+        </p:spPr>
+        <p:txBody>
+          <a:bodyPr wrap="square" rtlCol="0">
+            <a:spAutoFit/>
+          </a:bodyPr>
+          <a:lstStyle/>
+          <a:p>
+            <a:pPr algn="ctr"/>
+            <a:r>
+              <a:rPr lang="en-GB" sz="1000" dirty="0" err="1">
+                <a:latin typeface="Courier" pitchFamily="2" charset="0"/>
+                <a:cs typeface="Futura Medium" panose="020B0602020204020303" pitchFamily="34" charset="-79"/>
+              </a:rPr>
+              <a:t>rgbif</a:t>
+            </a:r>
+            <a:endParaRPr lang="en-GB" sz="1000" dirty="0">
+              <a:latin typeface="Courier" pitchFamily="2" charset="0"/>
+              <a:cs typeface="Futura Medium" panose="020B0602020204020303" pitchFamily="34" charset="-79"/>
+            </a:endParaRPr>
+          </a:p>
+          <a:p>
+            <a:pPr algn="ctr"/>
+            <a:r>
+              <a:rPr lang="en-GB" sz="1000" dirty="0" err="1">
+                <a:latin typeface="Courier" pitchFamily="2" charset="0"/>
+                <a:cs typeface="Futura Medium" panose="020B0602020204020303" pitchFamily="34" charset="-79"/>
+              </a:rPr>
+              <a:t>rnaturalearth</a:t>
+            </a:r>
+            <a:endParaRPr lang="en-GB" sz="1000" dirty="0">
+              <a:latin typeface="Courier" pitchFamily="2" charset="0"/>
+              <a:cs typeface="Futura Medium" panose="020B0602020204020303" pitchFamily="34" charset="-79"/>
+            </a:endParaRPr>
+          </a:p>
+        </p:txBody>
+      </p:sp>
+      <p:sp>
+        <p:nvSpPr>
+          <p:cNvPr id="11" name="TextBox 10">
+            <a:extLst>
+              <a:ext uri="{FF2B5EF4-FFF2-40B4-BE49-F238E27FC236}">
+                <a16:creationId xmlns:a16="http://schemas.microsoft.com/office/drawing/2014/main" id="{0A970197-2D53-5E42-8340-0FBFC0C230D8}"/>
+              </a:ext>
+            </a:extLst>
+          </p:cNvPr>
+          <p:cNvSpPr txBox="1"/>
+          <p:nvPr/>
+        </p:nvSpPr>
+        <p:spPr>
+          <a:xfrm>
+            <a:off x="254376" y="3824296"/>
+            <a:ext cx="1242000" cy="276999"/>
+          </a:xfrm>
+          <a:prstGeom prst="rect">
+            <a:avLst/>
+          </a:prstGeom>
+          <a:noFill/>
+          <a:ln>
+            <a:solidFill>
+              <a:schemeClr val="tx1"/>
+            </a:solidFill>
+          </a:ln>
+        </p:spPr>
+        <p:txBody>
+          <a:bodyPr wrap="square" rtlCol="0">
+            <a:spAutoFit/>
+          </a:bodyPr>
+          <a:lstStyle/>
+          <a:p>
+            <a:r>
+              <a:rPr lang="en-GB" sz="1200" dirty="0">
+                <a:latin typeface="Futura Medium" panose="020B0602020204020303" pitchFamily="34" charset="-79"/>
+                <a:cs typeface="Futura Medium" panose="020B0602020204020303" pitchFamily="34" charset="-79"/>
+              </a:rPr>
+              <a:t>Online data</a:t>
+            </a:r>
+          </a:p>
+        </p:txBody>
+      </p:sp>
+      <p:pic>
+        <p:nvPicPr>
+          <p:cNvPr id="15" name="Graphic 14" descr="Download from cloud">
+            <a:extLst>
+              <a:ext uri="{FF2B5EF4-FFF2-40B4-BE49-F238E27FC236}">
+                <a16:creationId xmlns:a16="http://schemas.microsoft.com/office/drawing/2014/main" id="{DC8D413C-62EC-4544-A676-AE4A933873B7}"/>
+              </a:ext>
+            </a:extLst>
+          </p:cNvPr>
+          <p:cNvPicPr>
+            <a:picLocks noChangeAspect="1"/>
+          </p:cNvPicPr>
+          <p:nvPr/>
+        </p:nvPicPr>
+        <p:blipFill>
+          <a:blip r:embed="rId4">
+            <a:extLst>
+              <a:ext uri="{96DAC541-7B7A-43D3-8B79-37D633B846F1}">
+                <asvg:svgBlip xmlns:asvg="http://schemas.microsoft.com/office/drawing/2016/SVG/main" r:embed="rId5"/>
+              </a:ext>
+            </a:extLst>
+          </a:blip>
+          <a:stretch>
+            <a:fillRect/>
+          </a:stretch>
+        </p:blipFill>
+        <p:spPr>
+          <a:xfrm>
+            <a:off x="1205977" y="3833831"/>
+            <a:ext cx="270000" cy="270000"/>
+          </a:xfrm>
+          <a:prstGeom prst="rect">
+            <a:avLst/>
+          </a:prstGeom>
+        </p:spPr>
+      </p:pic>
+      <p:pic>
+        <p:nvPicPr>
+          <p:cNvPr id="16" name="Graphic 15" descr="Table">
+            <a:extLst>
+              <a:ext uri="{FF2B5EF4-FFF2-40B4-BE49-F238E27FC236}">
+                <a16:creationId xmlns:a16="http://schemas.microsoft.com/office/drawing/2014/main" id="{470D1811-1AC5-3445-8A1B-B9D8F55ACA95}"/>
+              </a:ext>
+            </a:extLst>
+          </p:cNvPr>
+          <p:cNvPicPr>
+            <a:picLocks noChangeAspect="1"/>
+          </p:cNvPicPr>
+          <p:nvPr/>
+        </p:nvPicPr>
+        <p:blipFill>
+          <a:blip r:embed="rId6">
+            <a:extLst>
+              <a:ext uri="{96DAC541-7B7A-43D3-8B79-37D633B846F1}">
+                <asvg:svgBlip xmlns:asvg="http://schemas.microsoft.com/office/drawing/2016/SVG/main" r:embed="rId7"/>
+              </a:ext>
+            </a:extLst>
+          </a:blip>
+          <a:stretch>
+            <a:fillRect/>
+          </a:stretch>
+        </p:blipFill>
+        <p:spPr>
+          <a:xfrm>
+            <a:off x="1165237" y="2253709"/>
+            <a:ext cx="270000" cy="270000"/>
+          </a:xfrm>
+          <a:prstGeom prst="rect">
+            <a:avLst/>
+          </a:prstGeom>
+        </p:spPr>
+      </p:pic>
+      <p:pic>
+        <p:nvPicPr>
+          <p:cNvPr id="17" name="Graphic 16" descr="World">
+            <a:extLst>
+              <a:ext uri="{FF2B5EF4-FFF2-40B4-BE49-F238E27FC236}">
+                <a16:creationId xmlns:a16="http://schemas.microsoft.com/office/drawing/2014/main" id="{58A60619-5901-404C-8830-5025329E68C1}"/>
+              </a:ext>
+            </a:extLst>
+          </p:cNvPr>
+          <p:cNvPicPr>
+            <a:picLocks noChangeAspect="1"/>
+          </p:cNvPicPr>
+          <p:nvPr/>
+        </p:nvPicPr>
+        <p:blipFill>
+          <a:blip r:embed="rId8">
+            <a:extLst>
+              <a:ext uri="{96DAC541-7B7A-43D3-8B79-37D633B846F1}">
+                <asvg:svgBlip xmlns:asvg="http://schemas.microsoft.com/office/drawing/2016/SVG/main" r:embed="rId9"/>
+              </a:ext>
+            </a:extLst>
+          </a:blip>
+          <a:stretch>
+            <a:fillRect/>
+          </a:stretch>
+        </p:blipFill>
+        <p:spPr>
+          <a:xfrm>
+            <a:off x="1165237" y="3037345"/>
+            <a:ext cx="270000" cy="270000"/>
+          </a:xfrm>
+          <a:prstGeom prst="rect">
+            <a:avLst/>
+          </a:prstGeom>
+        </p:spPr>
+      </p:pic>
+      <p:sp>
+        <p:nvSpPr>
+          <p:cNvPr id="18" name="TextBox 17">
+            <a:extLst>
+              <a:ext uri="{FF2B5EF4-FFF2-40B4-BE49-F238E27FC236}">
+                <a16:creationId xmlns:a16="http://schemas.microsoft.com/office/drawing/2014/main" id="{77320683-651C-2C46-A261-A719D3840477}"/>
+              </a:ext>
+            </a:extLst>
+          </p:cNvPr>
+          <p:cNvSpPr txBox="1"/>
+          <p:nvPr/>
+        </p:nvSpPr>
+        <p:spPr>
+          <a:xfrm>
+            <a:off x="3272056" y="1563454"/>
+            <a:ext cx="1764000" cy="523220"/>
+          </a:xfrm>
+          <a:prstGeom prst="rect">
+            <a:avLst/>
+          </a:prstGeom>
+          <a:noFill/>
+          <a:ln>
+            <a:solidFill>
+              <a:schemeClr val="tx1"/>
+            </a:solidFill>
+          </a:ln>
+        </p:spPr>
+        <p:txBody>
+          <a:bodyPr wrap="square" rtlCol="0">
+            <a:spAutoFit/>
+          </a:bodyPr>
+          <a:lstStyle/>
+          <a:p>
+            <a:pPr algn="ctr"/>
+            <a:r>
+              <a:rPr lang="en-GB" sz="1400" dirty="0">
+                <a:latin typeface="Futura Medium" panose="020B0602020204020303" pitchFamily="34" charset="-79"/>
+                <a:cs typeface="Futura Medium" panose="020B0602020204020303" pitchFamily="34" charset="-79"/>
+              </a:rPr>
+              <a:t>Quantify landscape characteristics</a:t>
+            </a:r>
+          </a:p>
+        </p:txBody>
+      </p:sp>
+      <p:sp>
+        <p:nvSpPr>
+          <p:cNvPr id="19" name="TextBox 18">
+            <a:extLst>
+              <a:ext uri="{FF2B5EF4-FFF2-40B4-BE49-F238E27FC236}">
+                <a16:creationId xmlns:a16="http://schemas.microsoft.com/office/drawing/2014/main" id="{69B1D658-63F5-A341-AD44-563BCD57F2EF}"/>
+              </a:ext>
+            </a:extLst>
+          </p:cNvPr>
+          <p:cNvSpPr txBox="1"/>
+          <p:nvPr/>
+        </p:nvSpPr>
+        <p:spPr>
+          <a:xfrm>
+            <a:off x="7131252" y="1563208"/>
+            <a:ext cx="1242000" cy="523220"/>
+          </a:xfrm>
+          <a:prstGeom prst="rect">
+            <a:avLst/>
+          </a:prstGeom>
+          <a:noFill/>
+          <a:ln>
+            <a:solidFill>
+              <a:schemeClr val="tx1"/>
+            </a:solidFill>
+          </a:ln>
+        </p:spPr>
+        <p:txBody>
+          <a:bodyPr wrap="square" rtlCol="0">
+            <a:spAutoFit/>
+          </a:bodyPr>
+          <a:lstStyle/>
+          <a:p>
+            <a:pPr algn="ctr"/>
+            <a:r>
+              <a:rPr lang="en-GB" sz="1400" dirty="0">
+                <a:latin typeface="Futura Medium" panose="020B0602020204020303" pitchFamily="34" charset="-79"/>
+                <a:cs typeface="Futura Medium" panose="020B0602020204020303" pitchFamily="34" charset="-79"/>
+              </a:rPr>
+              <a:t>Create </a:t>
+            </a:r>
+          </a:p>
+          <a:p>
+            <a:pPr algn="ctr"/>
+            <a:r>
+              <a:rPr lang="en-GB" sz="1400" dirty="0">
+                <a:latin typeface="Futura Medium" panose="020B0602020204020303" pitchFamily="34" charset="-79"/>
+                <a:cs typeface="Futura Medium" panose="020B0602020204020303" pitchFamily="34" charset="-79"/>
+              </a:rPr>
+              <a:t>maps</a:t>
+            </a:r>
+          </a:p>
+        </p:txBody>
+      </p:sp>
+      <p:pic>
+        <p:nvPicPr>
+          <p:cNvPr id="20" name="Graphic 19" descr="Tools">
+            <a:extLst>
+              <a:ext uri="{FF2B5EF4-FFF2-40B4-BE49-F238E27FC236}">
+                <a16:creationId xmlns:a16="http://schemas.microsoft.com/office/drawing/2014/main" id="{DE0CEE49-E857-864A-AB7C-178E7FEA4B21}"/>
+              </a:ext>
+            </a:extLst>
+          </p:cNvPr>
+          <p:cNvPicPr>
+            <a:picLocks noChangeAspect="1"/>
+          </p:cNvPicPr>
+          <p:nvPr/>
+        </p:nvPicPr>
+        <p:blipFill>
+          <a:blip r:embed="rId10">
+            <a:extLst>
+              <a:ext uri="{96DAC541-7B7A-43D3-8B79-37D633B846F1}">
+                <asvg:svgBlip xmlns:asvg="http://schemas.microsoft.com/office/drawing/2016/SVG/main" r:embed="rId11"/>
+              </a:ext>
+            </a:extLst>
+          </a:blip>
+          <a:stretch>
+            <a:fillRect/>
+          </a:stretch>
+        </p:blipFill>
+        <p:spPr>
+          <a:xfrm>
+            <a:off x="2112257" y="982421"/>
+            <a:ext cx="540000" cy="540000"/>
+          </a:xfrm>
+          <a:prstGeom prst="rect">
+            <a:avLst/>
+          </a:prstGeom>
+        </p:spPr>
+      </p:pic>
+      <p:sp>
+        <p:nvSpPr>
+          <p:cNvPr id="21" name="TextBox 20">
+            <a:extLst>
+              <a:ext uri="{FF2B5EF4-FFF2-40B4-BE49-F238E27FC236}">
+                <a16:creationId xmlns:a16="http://schemas.microsoft.com/office/drawing/2014/main" id="{31EA7560-83BD-E545-B7A9-F60E3B745225}"/>
+              </a:ext>
+            </a:extLst>
+          </p:cNvPr>
+          <p:cNvSpPr txBox="1"/>
+          <p:nvPr/>
+        </p:nvSpPr>
+        <p:spPr>
+          <a:xfrm>
+            <a:off x="1755706" y="2525601"/>
+            <a:ext cx="1242000" cy="400110"/>
+          </a:xfrm>
+          <a:prstGeom prst="rect">
+            <a:avLst/>
+          </a:prstGeom>
+          <a:noFill/>
+          <a:ln>
+            <a:solidFill>
+              <a:schemeClr val="tx1"/>
+            </a:solidFill>
+          </a:ln>
+        </p:spPr>
+        <p:txBody>
+          <a:bodyPr wrap="square" rtlCol="0">
+            <a:spAutoFit/>
+          </a:bodyPr>
+          <a:lstStyle/>
+          <a:p>
+            <a:pPr algn="ctr"/>
+            <a:r>
+              <a:rPr lang="en-GB" sz="1000" dirty="0">
+                <a:latin typeface="Courier" pitchFamily="2" charset="0"/>
+                <a:cs typeface="Futura Medium" panose="020B0602020204020303" pitchFamily="34" charset="-79"/>
+              </a:rPr>
+              <a:t>raster</a:t>
+            </a:r>
+          </a:p>
+          <a:p>
+            <a:pPr algn="ctr"/>
+            <a:r>
+              <a:rPr lang="en-GB" sz="1000" dirty="0">
+                <a:latin typeface="Courier" pitchFamily="2" charset="0"/>
+                <a:cs typeface="Futura Medium" panose="020B0602020204020303" pitchFamily="34" charset="-79"/>
+              </a:rPr>
+              <a:t>stars</a:t>
+            </a:r>
+          </a:p>
+        </p:txBody>
+      </p:sp>
+      <p:sp>
+        <p:nvSpPr>
+          <p:cNvPr id="22" name="TextBox 21">
+            <a:extLst>
+              <a:ext uri="{FF2B5EF4-FFF2-40B4-BE49-F238E27FC236}">
+                <a16:creationId xmlns:a16="http://schemas.microsoft.com/office/drawing/2014/main" id="{36AEEE6E-79B3-0D4E-AEB9-1181B25635DF}"/>
+              </a:ext>
+            </a:extLst>
+          </p:cNvPr>
+          <p:cNvSpPr txBox="1"/>
+          <p:nvPr/>
+        </p:nvSpPr>
+        <p:spPr>
+          <a:xfrm>
+            <a:off x="1761257" y="2246710"/>
+            <a:ext cx="1242000" cy="276999"/>
+          </a:xfrm>
+          <a:prstGeom prst="rect">
+            <a:avLst/>
+          </a:prstGeom>
+          <a:noFill/>
+          <a:ln>
+            <a:solidFill>
+              <a:schemeClr val="tx1"/>
+            </a:solidFill>
+          </a:ln>
+        </p:spPr>
+        <p:txBody>
+          <a:bodyPr wrap="square" rtlCol="0">
+            <a:spAutoFit/>
+          </a:bodyPr>
+          <a:lstStyle/>
+          <a:p>
+            <a:r>
+              <a:rPr lang="en-GB" sz="1200" dirty="0">
+                <a:latin typeface="Futura Medium" panose="020B0602020204020303" pitchFamily="34" charset="-79"/>
+                <a:cs typeface="Futura Medium" panose="020B0602020204020303" pitchFamily="34" charset="-79"/>
+              </a:rPr>
+              <a:t>Raster data</a:t>
+            </a:r>
+          </a:p>
+        </p:txBody>
+      </p:sp>
+      <p:sp>
+        <p:nvSpPr>
+          <p:cNvPr id="23" name="TextBox 22">
+            <a:extLst>
+              <a:ext uri="{FF2B5EF4-FFF2-40B4-BE49-F238E27FC236}">
+                <a16:creationId xmlns:a16="http://schemas.microsoft.com/office/drawing/2014/main" id="{71CF0828-8243-8949-8705-15E3774C87F9}"/>
+              </a:ext>
+            </a:extLst>
+          </p:cNvPr>
+          <p:cNvSpPr txBox="1"/>
+          <p:nvPr/>
+        </p:nvSpPr>
+        <p:spPr>
+          <a:xfrm>
+            <a:off x="1755706" y="3316239"/>
+            <a:ext cx="1242000" cy="400110"/>
+          </a:xfrm>
+          <a:prstGeom prst="rect">
+            <a:avLst/>
+          </a:prstGeom>
+          <a:noFill/>
+          <a:ln>
+            <a:solidFill>
+              <a:schemeClr val="tx1"/>
+            </a:solidFill>
+          </a:ln>
+        </p:spPr>
+        <p:txBody>
+          <a:bodyPr wrap="square" rtlCol="0">
+            <a:spAutoFit/>
+          </a:bodyPr>
+          <a:lstStyle/>
+          <a:p>
+            <a:pPr algn="ctr"/>
+            <a:r>
+              <a:rPr lang="en-GB" sz="1000" dirty="0" err="1">
+                <a:latin typeface="Courier" pitchFamily="2" charset="0"/>
+                <a:cs typeface="Futura Medium" panose="020B0602020204020303" pitchFamily="34" charset="-79"/>
+              </a:rPr>
+              <a:t>sp</a:t>
+            </a:r>
+            <a:endParaRPr lang="en-GB" sz="1000" dirty="0">
+              <a:latin typeface="Courier" pitchFamily="2" charset="0"/>
+              <a:cs typeface="Futura Medium" panose="020B0602020204020303" pitchFamily="34" charset="-79"/>
+            </a:endParaRPr>
+          </a:p>
+          <a:p>
+            <a:pPr algn="ctr"/>
+            <a:r>
+              <a:rPr lang="en-GB" sz="1000" dirty="0">
+                <a:latin typeface="Courier" pitchFamily="2" charset="0"/>
+                <a:cs typeface="Futura Medium" panose="020B0602020204020303" pitchFamily="34" charset="-79"/>
+              </a:rPr>
+              <a:t>sf</a:t>
+            </a:r>
+          </a:p>
+        </p:txBody>
+      </p:sp>
+      <p:sp>
+        <p:nvSpPr>
+          <p:cNvPr id="24" name="TextBox 23">
+            <a:extLst>
+              <a:ext uri="{FF2B5EF4-FFF2-40B4-BE49-F238E27FC236}">
+                <a16:creationId xmlns:a16="http://schemas.microsoft.com/office/drawing/2014/main" id="{4AA24B7E-5948-6E4D-878A-9540A6868165}"/>
+              </a:ext>
+            </a:extLst>
+          </p:cNvPr>
+          <p:cNvSpPr txBox="1"/>
+          <p:nvPr/>
+        </p:nvSpPr>
+        <p:spPr>
+          <a:xfrm>
+            <a:off x="1755706" y="3037345"/>
+            <a:ext cx="1242000" cy="276999"/>
+          </a:xfrm>
+          <a:prstGeom prst="rect">
+            <a:avLst/>
+          </a:prstGeom>
+          <a:noFill/>
+          <a:ln>
+            <a:solidFill>
+              <a:schemeClr val="tx1"/>
+            </a:solidFill>
+          </a:ln>
+        </p:spPr>
+        <p:txBody>
+          <a:bodyPr wrap="square" rtlCol="0">
+            <a:spAutoFit/>
+          </a:bodyPr>
+          <a:lstStyle/>
+          <a:p>
+            <a:r>
+              <a:rPr lang="en-GB" sz="1200" dirty="0">
+                <a:latin typeface="Futura Medium" panose="020B0602020204020303" pitchFamily="34" charset="-79"/>
+                <a:cs typeface="Futura Medium" panose="020B0602020204020303" pitchFamily="34" charset="-79"/>
+              </a:rPr>
+              <a:t>Vector data</a:t>
+            </a:r>
+          </a:p>
+        </p:txBody>
+      </p:sp>
+      <p:pic>
+        <p:nvPicPr>
+          <p:cNvPr id="25" name="Graphic 24" descr="Table">
+            <a:extLst>
+              <a:ext uri="{FF2B5EF4-FFF2-40B4-BE49-F238E27FC236}">
+                <a16:creationId xmlns:a16="http://schemas.microsoft.com/office/drawing/2014/main" id="{DD407576-A875-9A46-8B7B-5F26FEDE98F8}"/>
+              </a:ext>
+            </a:extLst>
+          </p:cNvPr>
+          <p:cNvPicPr>
+            <a:picLocks noChangeAspect="1"/>
+          </p:cNvPicPr>
+          <p:nvPr/>
+        </p:nvPicPr>
+        <p:blipFill>
+          <a:blip r:embed="rId6">
+            <a:extLst>
+              <a:ext uri="{96DAC541-7B7A-43D3-8B79-37D633B846F1}">
+                <asvg:svgBlip xmlns:asvg="http://schemas.microsoft.com/office/drawing/2016/SVG/main" r:embed="rId7"/>
+              </a:ext>
+            </a:extLst>
+          </a:blip>
+          <a:stretch>
+            <a:fillRect/>
+          </a:stretch>
+        </p:blipFill>
+        <p:spPr>
+          <a:xfrm>
+            <a:off x="2695636" y="2246710"/>
+            <a:ext cx="270000" cy="270000"/>
+          </a:xfrm>
+          <a:prstGeom prst="rect">
+            <a:avLst/>
+          </a:prstGeom>
+        </p:spPr>
+      </p:pic>
+      <p:pic>
+        <p:nvPicPr>
+          <p:cNvPr id="26" name="Graphic 25" descr="World">
+            <a:extLst>
+              <a:ext uri="{FF2B5EF4-FFF2-40B4-BE49-F238E27FC236}">
+                <a16:creationId xmlns:a16="http://schemas.microsoft.com/office/drawing/2014/main" id="{52F7729B-A2C0-A149-9288-F01B732C7716}"/>
+              </a:ext>
+            </a:extLst>
+          </p:cNvPr>
+          <p:cNvPicPr>
+            <a:picLocks noChangeAspect="1"/>
+          </p:cNvPicPr>
+          <p:nvPr/>
+        </p:nvPicPr>
+        <p:blipFill>
+          <a:blip r:embed="rId8">
+            <a:extLst>
+              <a:ext uri="{96DAC541-7B7A-43D3-8B79-37D633B846F1}">
+                <asvg:svgBlip xmlns:asvg="http://schemas.microsoft.com/office/drawing/2016/SVG/main" r:embed="rId9"/>
+              </a:ext>
+            </a:extLst>
+          </a:blip>
+          <a:stretch>
+            <a:fillRect/>
+          </a:stretch>
+        </p:blipFill>
+        <p:spPr>
+          <a:xfrm>
+            <a:off x="2688456" y="3033133"/>
+            <a:ext cx="270000" cy="270000"/>
+          </a:xfrm>
+          <a:prstGeom prst="rect">
+            <a:avLst/>
+          </a:prstGeom>
+        </p:spPr>
+      </p:pic>
+      <p:sp>
+        <p:nvSpPr>
+          <p:cNvPr id="29" name="Pentagon 28">
+            <a:extLst>
+              <a:ext uri="{FF2B5EF4-FFF2-40B4-BE49-F238E27FC236}">
+                <a16:creationId xmlns:a16="http://schemas.microsoft.com/office/drawing/2014/main" id="{4FED3116-3AD4-DC4E-A36A-9A63932C33E6}"/>
+              </a:ext>
+            </a:extLst>
+          </p:cNvPr>
+          <p:cNvSpPr/>
+          <p:nvPr/>
+        </p:nvSpPr>
+        <p:spPr>
+          <a:xfrm>
+            <a:off x="253812" y="126374"/>
+            <a:ext cx="8102249" cy="744279"/>
+          </a:xfrm>
+          <a:prstGeom prst="homePlate">
+            <a:avLst>
+              <a:gd name="adj" fmla="val 142857"/>
+            </a:avLst>
+          </a:prstGeom>
+          <a:solidFill>
+            <a:schemeClr val="bg1"/>
+          </a:solidFill>
+          <a:ln w="38100">
+            <a:solidFill>
+              <a:schemeClr val="tx1"/>
+            </a:solidFill>
+          </a:ln>
+        </p:spPr>
+        <p:style>
+          <a:lnRef idx="2">
+            <a:schemeClr val="accent1">
+              <a:shade val="50000"/>
+            </a:schemeClr>
+          </a:lnRef>
+          <a:fillRef idx="1">
+            <a:schemeClr val="accent1"/>
+          </a:fillRef>
+          <a:effectRef idx="0">
+            <a:schemeClr val="accent1"/>
+          </a:effectRef>
+          <a:fontRef idx="minor">
+            <a:schemeClr val="lt1"/>
+          </a:fontRef>
+        </p:style>
+        <p:txBody>
+          <a:bodyPr rtlCol="0" anchor="ctr"/>
+          <a:lstStyle/>
+          <a:p>
+            <a:pPr algn="ctr"/>
+            <a:r>
+              <a:rPr lang="en-GB" sz="1400" dirty="0">
+                <a:solidFill>
+                  <a:schemeClr val="tx1"/>
+                </a:solidFill>
+                <a:latin typeface="Futura Medium" panose="020B0602020204020303" pitchFamily="34" charset="-79"/>
+                <a:cs typeface="Futura Medium" panose="020B0602020204020303" pitchFamily="34" charset="-79"/>
+              </a:rPr>
+              <a:t>Exemplary workflow in landscape ecology in [</a:t>
+            </a:r>
+            <a:r>
+              <a:rPr lang="en-GB" sz="1400" dirty="0">
+                <a:solidFill>
+                  <a:schemeClr val="tx1"/>
+                </a:solidFill>
+                <a:latin typeface="Courier" pitchFamily="2" charset="0"/>
+                <a:cs typeface="Futura Medium" panose="020B0602020204020303" pitchFamily="34" charset="-79"/>
+              </a:rPr>
+              <a:t>R</a:t>
+            </a:r>
+            <a:r>
+              <a:rPr lang="en-GB" sz="1400" dirty="0">
+                <a:solidFill>
+                  <a:schemeClr val="tx1"/>
+                </a:solidFill>
+                <a:latin typeface="Futura Medium" panose="020B0602020204020303" pitchFamily="34" charset="-79"/>
+                <a:cs typeface="Futura Medium" panose="020B0602020204020303" pitchFamily="34" charset="-79"/>
+              </a:rPr>
+              <a:t>]</a:t>
+            </a:r>
+          </a:p>
+        </p:txBody>
+      </p:sp>
+      <p:sp>
+        <p:nvSpPr>
+          <p:cNvPr id="30" name="TextBox 29">
+            <a:extLst>
+              <a:ext uri="{FF2B5EF4-FFF2-40B4-BE49-F238E27FC236}">
+                <a16:creationId xmlns:a16="http://schemas.microsoft.com/office/drawing/2014/main" id="{210D9CD0-8D4A-D944-A6C7-A2DE13C4EF6F}"/>
+              </a:ext>
+            </a:extLst>
+          </p:cNvPr>
+          <p:cNvSpPr txBox="1"/>
+          <p:nvPr/>
+        </p:nvSpPr>
+        <p:spPr>
+          <a:xfrm>
+            <a:off x="3268411" y="2524661"/>
+            <a:ext cx="1764000" cy="400110"/>
+          </a:xfrm>
+          <a:prstGeom prst="rect">
+            <a:avLst/>
+          </a:prstGeom>
+          <a:noFill/>
+          <a:ln>
+            <a:solidFill>
+              <a:schemeClr val="tx1"/>
+            </a:solidFill>
+          </a:ln>
+        </p:spPr>
+        <p:txBody>
+          <a:bodyPr wrap="square" rtlCol="0">
+            <a:spAutoFit/>
+          </a:bodyPr>
+          <a:lstStyle/>
+          <a:p>
+            <a:pPr algn="ctr"/>
+            <a:r>
+              <a:rPr lang="en-GB" sz="1000" dirty="0">
+                <a:latin typeface="Courier" pitchFamily="2" charset="0"/>
+                <a:cs typeface="Futura Medium" panose="020B0602020204020303" pitchFamily="34" charset="-79"/>
+              </a:rPr>
+              <a:t>landscapemetrics</a:t>
+            </a:r>
+          </a:p>
+          <a:p>
+            <a:pPr algn="ctr"/>
+            <a:r>
+              <a:rPr lang="en-GB" sz="1000" dirty="0" err="1">
+                <a:latin typeface="Courier" pitchFamily="2" charset="0"/>
+                <a:cs typeface="Futura Medium" panose="020B0602020204020303" pitchFamily="34" charset="-79"/>
+              </a:rPr>
+              <a:t>belg</a:t>
+            </a:r>
+            <a:endParaRPr lang="en-GB" sz="1000" dirty="0">
+              <a:latin typeface="Courier" pitchFamily="2" charset="0"/>
+              <a:cs typeface="Futura Medium" panose="020B0602020204020303" pitchFamily="34" charset="-79"/>
+            </a:endParaRPr>
+          </a:p>
+        </p:txBody>
+      </p:sp>
+      <p:sp>
+        <p:nvSpPr>
+          <p:cNvPr id="31" name="TextBox 30">
+            <a:extLst>
+              <a:ext uri="{FF2B5EF4-FFF2-40B4-BE49-F238E27FC236}">
+                <a16:creationId xmlns:a16="http://schemas.microsoft.com/office/drawing/2014/main" id="{E6367AF2-2C37-6447-ABAD-5EC87701450E}"/>
+              </a:ext>
+            </a:extLst>
+          </p:cNvPr>
+          <p:cNvSpPr txBox="1"/>
+          <p:nvPr/>
+        </p:nvSpPr>
+        <p:spPr>
+          <a:xfrm>
+            <a:off x="3270038" y="2246710"/>
+            <a:ext cx="1764000" cy="276999"/>
+          </a:xfrm>
+          <a:prstGeom prst="rect">
+            <a:avLst/>
+          </a:prstGeom>
+          <a:noFill/>
+          <a:ln>
+            <a:solidFill>
+              <a:schemeClr val="tx1"/>
+            </a:solidFill>
+          </a:ln>
+        </p:spPr>
+        <p:txBody>
+          <a:bodyPr wrap="square" rtlCol="0">
+            <a:spAutoFit/>
+          </a:bodyPr>
+          <a:lstStyle/>
+          <a:p>
+            <a:r>
+              <a:rPr lang="en-GB" sz="1200" dirty="0">
+                <a:latin typeface="Futura Medium" panose="020B0602020204020303" pitchFamily="34" charset="-79"/>
+                <a:cs typeface="Futura Medium" panose="020B0602020204020303" pitchFamily="34" charset="-79"/>
+              </a:rPr>
+              <a:t>Raster data</a:t>
+            </a:r>
+          </a:p>
+        </p:txBody>
+      </p:sp>
+      <p:pic>
+        <p:nvPicPr>
+          <p:cNvPr id="32" name="Graphic 31" descr="Table">
+            <a:extLst>
+              <a:ext uri="{FF2B5EF4-FFF2-40B4-BE49-F238E27FC236}">
+                <a16:creationId xmlns:a16="http://schemas.microsoft.com/office/drawing/2014/main" id="{2A51C47A-AA25-FD48-9A72-D9CB62A0D8B1}"/>
+              </a:ext>
+            </a:extLst>
+          </p:cNvPr>
+          <p:cNvPicPr>
+            <a:picLocks noChangeAspect="1"/>
+          </p:cNvPicPr>
+          <p:nvPr/>
+        </p:nvPicPr>
+        <p:blipFill>
+          <a:blip r:embed="rId6">
+            <a:extLst>
+              <a:ext uri="{96DAC541-7B7A-43D3-8B79-37D633B846F1}">
+                <asvg:svgBlip xmlns:asvg="http://schemas.microsoft.com/office/drawing/2016/SVG/main" r:embed="rId7"/>
+              </a:ext>
+            </a:extLst>
+          </a:blip>
+          <a:stretch>
+            <a:fillRect/>
+          </a:stretch>
+        </p:blipFill>
+        <p:spPr>
+          <a:xfrm>
+            <a:off x="4688355" y="2255997"/>
+            <a:ext cx="270000" cy="270000"/>
+          </a:xfrm>
+          <a:prstGeom prst="rect">
+            <a:avLst/>
+          </a:prstGeom>
+        </p:spPr>
+      </p:pic>
+      <p:sp>
+        <p:nvSpPr>
+          <p:cNvPr id="35" name="TextBox 34">
+            <a:extLst>
+              <a:ext uri="{FF2B5EF4-FFF2-40B4-BE49-F238E27FC236}">
+                <a16:creationId xmlns:a16="http://schemas.microsoft.com/office/drawing/2014/main" id="{6E5B863F-8AC9-DC44-AE98-92DA07DA10A9}"/>
+              </a:ext>
+            </a:extLst>
+          </p:cNvPr>
+          <p:cNvSpPr txBox="1"/>
+          <p:nvPr/>
+        </p:nvSpPr>
+        <p:spPr>
+          <a:xfrm>
+            <a:off x="3269609" y="3314344"/>
+            <a:ext cx="1764000" cy="400110"/>
+          </a:xfrm>
+          <a:prstGeom prst="rect">
+            <a:avLst/>
+          </a:prstGeom>
+          <a:noFill/>
+          <a:ln>
+            <a:solidFill>
+              <a:schemeClr val="tx1"/>
+            </a:solidFill>
+          </a:ln>
+        </p:spPr>
+        <p:txBody>
+          <a:bodyPr wrap="square" rtlCol="0">
+            <a:spAutoFit/>
+          </a:bodyPr>
+          <a:lstStyle/>
+          <a:p>
+            <a:pPr algn="ctr"/>
+            <a:r>
+              <a:rPr lang="en-GB" sz="1000" dirty="0">
+                <a:latin typeface="Courier" pitchFamily="2" charset="0"/>
+                <a:cs typeface="Futura Medium" panose="020B0602020204020303" pitchFamily="34" charset="-79"/>
+              </a:rPr>
+              <a:t>VLSM</a:t>
+            </a:r>
+          </a:p>
+          <a:p>
+            <a:pPr algn="ctr"/>
+            <a:r>
+              <a:rPr lang="en-GB" sz="1000" dirty="0">
+                <a:latin typeface="Courier" pitchFamily="2" charset="0"/>
+                <a:cs typeface="Futura Medium" panose="020B0602020204020303" pitchFamily="34" charset="-79"/>
+              </a:rPr>
+              <a:t>sf</a:t>
+            </a:r>
+          </a:p>
+        </p:txBody>
+      </p:sp>
+      <p:sp>
+        <p:nvSpPr>
+          <p:cNvPr id="36" name="TextBox 35">
+            <a:extLst>
+              <a:ext uri="{FF2B5EF4-FFF2-40B4-BE49-F238E27FC236}">
+                <a16:creationId xmlns:a16="http://schemas.microsoft.com/office/drawing/2014/main" id="{1D014CB9-D739-CD43-9EBB-04C5B286BC56}"/>
+              </a:ext>
+            </a:extLst>
+          </p:cNvPr>
+          <p:cNvSpPr txBox="1"/>
+          <p:nvPr/>
+        </p:nvSpPr>
+        <p:spPr>
+          <a:xfrm>
+            <a:off x="3274458" y="3037345"/>
+            <a:ext cx="1764000" cy="276999"/>
+          </a:xfrm>
+          <a:prstGeom prst="rect">
+            <a:avLst/>
+          </a:prstGeom>
+          <a:noFill/>
+          <a:ln>
+            <a:solidFill>
+              <a:schemeClr val="tx1"/>
+            </a:solidFill>
+          </a:ln>
+        </p:spPr>
+        <p:txBody>
+          <a:bodyPr wrap="square" rtlCol="0">
+            <a:spAutoFit/>
+          </a:bodyPr>
+          <a:lstStyle/>
+          <a:p>
+            <a:r>
+              <a:rPr lang="en-GB" sz="1200" dirty="0">
+                <a:latin typeface="Futura Medium" panose="020B0602020204020303" pitchFamily="34" charset="-79"/>
+                <a:cs typeface="Futura Medium" panose="020B0602020204020303" pitchFamily="34" charset="-79"/>
+              </a:rPr>
+              <a:t>Vector data</a:t>
+            </a:r>
+          </a:p>
+        </p:txBody>
+      </p:sp>
+      <p:pic>
+        <p:nvPicPr>
+          <p:cNvPr id="37" name="Graphic 36" descr="World">
+            <a:extLst>
+              <a:ext uri="{FF2B5EF4-FFF2-40B4-BE49-F238E27FC236}">
+                <a16:creationId xmlns:a16="http://schemas.microsoft.com/office/drawing/2014/main" id="{7BA91F7D-6429-8A46-A844-64DBCB0CD0D6}"/>
+              </a:ext>
+            </a:extLst>
+          </p:cNvPr>
+          <p:cNvPicPr>
+            <a:picLocks/>
+          </p:cNvPicPr>
+          <p:nvPr/>
+        </p:nvPicPr>
+        <p:blipFill>
+          <a:blip r:embed="rId8">
+            <a:extLst>
+              <a:ext uri="{96DAC541-7B7A-43D3-8B79-37D633B846F1}">
+                <asvg:svgBlip xmlns:asvg="http://schemas.microsoft.com/office/drawing/2016/SVG/main" r:embed="rId9"/>
+              </a:ext>
+            </a:extLst>
+          </a:blip>
+          <a:stretch>
+            <a:fillRect/>
+          </a:stretch>
+        </p:blipFill>
+        <p:spPr>
+          <a:xfrm>
+            <a:off x="4688355" y="3015133"/>
+            <a:ext cx="270000" cy="306000"/>
+          </a:xfrm>
+          <a:prstGeom prst="rect">
+            <a:avLst/>
+          </a:prstGeom>
+        </p:spPr>
+      </p:pic>
+      <p:sp>
+        <p:nvSpPr>
+          <p:cNvPr id="38" name="TextBox 37">
+            <a:extLst>
+              <a:ext uri="{FF2B5EF4-FFF2-40B4-BE49-F238E27FC236}">
+                <a16:creationId xmlns:a16="http://schemas.microsoft.com/office/drawing/2014/main" id="{A41A531C-444F-9E46-A469-EA9DACCB4044}"/>
+              </a:ext>
+            </a:extLst>
+          </p:cNvPr>
+          <p:cNvSpPr txBox="1"/>
+          <p:nvPr/>
+        </p:nvSpPr>
+        <p:spPr>
+          <a:xfrm>
+            <a:off x="5292774" y="2523709"/>
+            <a:ext cx="1566000" cy="400110"/>
+          </a:xfrm>
+          <a:prstGeom prst="rect">
+            <a:avLst/>
+          </a:prstGeom>
+          <a:noFill/>
+          <a:ln>
+            <a:solidFill>
+              <a:schemeClr val="tx1"/>
+            </a:solidFill>
+          </a:ln>
+        </p:spPr>
+        <p:txBody>
+          <a:bodyPr wrap="square" rtlCol="0">
+            <a:spAutoFit/>
+          </a:bodyPr>
+          <a:lstStyle/>
+          <a:p>
+            <a:pPr algn="ctr"/>
+            <a:r>
+              <a:rPr lang="en-GB" sz="1000" dirty="0">
+                <a:latin typeface="Courier" pitchFamily="2" charset="0"/>
+                <a:cs typeface="Futura Medium" panose="020B0602020204020303" pitchFamily="34" charset="-79"/>
+              </a:rPr>
+              <a:t>NLMR</a:t>
+            </a:r>
+          </a:p>
+          <a:p>
+            <a:pPr algn="ctr"/>
+            <a:r>
+              <a:rPr lang="en-GB" sz="1000" dirty="0" err="1">
+                <a:latin typeface="Courier" pitchFamily="2" charset="0"/>
+                <a:cs typeface="Futura Medium" panose="020B0602020204020303" pitchFamily="34" charset="-79"/>
+              </a:rPr>
+              <a:t>RandomFields</a:t>
+            </a:r>
+            <a:endParaRPr lang="en-GB" sz="1000" dirty="0">
+              <a:latin typeface="Courier" pitchFamily="2" charset="0"/>
+              <a:cs typeface="Futura Medium" panose="020B0602020204020303" pitchFamily="34" charset="-79"/>
+            </a:endParaRPr>
+          </a:p>
+        </p:txBody>
+      </p:sp>
+      <p:sp>
+        <p:nvSpPr>
+          <p:cNvPr id="39" name="TextBox 38">
+            <a:extLst>
+              <a:ext uri="{FF2B5EF4-FFF2-40B4-BE49-F238E27FC236}">
+                <a16:creationId xmlns:a16="http://schemas.microsoft.com/office/drawing/2014/main" id="{0DC08FB9-D5B5-6D46-A85B-595BE69E52F0}"/>
+              </a:ext>
+            </a:extLst>
+          </p:cNvPr>
+          <p:cNvSpPr txBox="1"/>
+          <p:nvPr/>
+        </p:nvSpPr>
+        <p:spPr>
+          <a:xfrm>
+            <a:off x="5295643" y="2240469"/>
+            <a:ext cx="1566000" cy="276999"/>
+          </a:xfrm>
+          <a:prstGeom prst="rect">
+            <a:avLst/>
+          </a:prstGeom>
+          <a:noFill/>
+          <a:ln>
+            <a:solidFill>
+              <a:schemeClr val="tx1"/>
+            </a:solidFill>
+          </a:ln>
+        </p:spPr>
+        <p:txBody>
+          <a:bodyPr wrap="square" rtlCol="0">
+            <a:spAutoFit/>
+          </a:bodyPr>
+          <a:lstStyle/>
+          <a:p>
+            <a:r>
+              <a:rPr lang="en-GB" sz="1200" dirty="0">
+                <a:latin typeface="Futura Medium" panose="020B0602020204020303" pitchFamily="34" charset="-79"/>
+                <a:cs typeface="Futura Medium" panose="020B0602020204020303" pitchFamily="34" charset="-79"/>
+              </a:rPr>
+              <a:t>Raster data</a:t>
+            </a:r>
+          </a:p>
+        </p:txBody>
+      </p:sp>
+      <p:pic>
+        <p:nvPicPr>
+          <p:cNvPr id="40" name="Graphic 39" descr="Table">
+            <a:extLst>
+              <a:ext uri="{FF2B5EF4-FFF2-40B4-BE49-F238E27FC236}">
+                <a16:creationId xmlns:a16="http://schemas.microsoft.com/office/drawing/2014/main" id="{B3CD3AF1-1632-0D45-80F6-EDA4B6CE7E14}"/>
+              </a:ext>
+            </a:extLst>
+          </p:cNvPr>
+          <p:cNvPicPr>
+            <a:picLocks noChangeAspect="1"/>
+          </p:cNvPicPr>
+          <p:nvPr/>
+        </p:nvPicPr>
+        <p:blipFill>
+          <a:blip r:embed="rId6">
+            <a:extLst>
+              <a:ext uri="{96DAC541-7B7A-43D3-8B79-37D633B846F1}">
+                <asvg:svgBlip xmlns:asvg="http://schemas.microsoft.com/office/drawing/2016/SVG/main" r:embed="rId7"/>
+              </a:ext>
+            </a:extLst>
+          </a:blip>
+          <a:stretch>
+            <a:fillRect/>
+          </a:stretch>
+        </p:blipFill>
+        <p:spPr>
+          <a:xfrm>
+            <a:off x="6551039" y="2253709"/>
+            <a:ext cx="270000" cy="270000"/>
+          </a:xfrm>
+          <a:prstGeom prst="rect">
+            <a:avLst/>
+          </a:prstGeom>
+        </p:spPr>
+      </p:pic>
+      <p:sp>
+        <p:nvSpPr>
+          <p:cNvPr id="42" name="TextBox 41">
+            <a:extLst>
+              <a:ext uri="{FF2B5EF4-FFF2-40B4-BE49-F238E27FC236}">
+                <a16:creationId xmlns:a16="http://schemas.microsoft.com/office/drawing/2014/main" id="{E3D4195D-B800-5842-9C3A-1862DC531010}"/>
+              </a:ext>
+            </a:extLst>
+          </p:cNvPr>
+          <p:cNvSpPr txBox="1"/>
+          <p:nvPr/>
+        </p:nvSpPr>
+        <p:spPr>
+          <a:xfrm>
+            <a:off x="7131252" y="2533296"/>
+            <a:ext cx="1242000" cy="400110"/>
+          </a:xfrm>
+          <a:prstGeom prst="rect">
+            <a:avLst/>
+          </a:prstGeom>
+          <a:noFill/>
+          <a:ln>
+            <a:solidFill>
+              <a:schemeClr val="tx1"/>
+            </a:solidFill>
+          </a:ln>
+        </p:spPr>
+        <p:txBody>
+          <a:bodyPr wrap="square" rtlCol="0">
+            <a:spAutoFit/>
+          </a:bodyPr>
+          <a:lstStyle/>
+          <a:p>
+            <a:pPr algn="ctr"/>
+            <a:r>
+              <a:rPr lang="en-GB" sz="1000" dirty="0" err="1">
+                <a:latin typeface="Courier" pitchFamily="2" charset="0"/>
+                <a:cs typeface="Futura Medium" panose="020B0602020204020303" pitchFamily="34" charset="-79"/>
+              </a:rPr>
+              <a:t>ggspatial</a:t>
+            </a:r>
+            <a:endParaRPr lang="en-GB" sz="1000" dirty="0">
+              <a:latin typeface="Courier" pitchFamily="2" charset="0"/>
+              <a:cs typeface="Futura Medium" panose="020B0602020204020303" pitchFamily="34" charset="-79"/>
+            </a:endParaRPr>
+          </a:p>
+          <a:p>
+            <a:pPr algn="ctr"/>
+            <a:r>
+              <a:rPr lang="en-GB" sz="1000" dirty="0" err="1">
+                <a:latin typeface="Courier" pitchFamily="2" charset="0"/>
+                <a:cs typeface="Futura Medium" panose="020B0602020204020303" pitchFamily="34" charset="-79"/>
+              </a:rPr>
+              <a:t>tmap</a:t>
+            </a:r>
+            <a:endParaRPr lang="en-GB" sz="1000" dirty="0">
+              <a:latin typeface="Courier" pitchFamily="2" charset="0"/>
+              <a:cs typeface="Futura Medium" panose="020B0602020204020303" pitchFamily="34" charset="-79"/>
+            </a:endParaRPr>
+          </a:p>
+        </p:txBody>
+      </p:sp>
+      <p:sp>
+        <p:nvSpPr>
+          <p:cNvPr id="43" name="TextBox 42">
+            <a:extLst>
+              <a:ext uri="{FF2B5EF4-FFF2-40B4-BE49-F238E27FC236}">
+                <a16:creationId xmlns:a16="http://schemas.microsoft.com/office/drawing/2014/main" id="{143DF779-668F-8240-B945-7A9DD3B91963}"/>
+              </a:ext>
+            </a:extLst>
+          </p:cNvPr>
+          <p:cNvSpPr txBox="1"/>
+          <p:nvPr/>
+        </p:nvSpPr>
+        <p:spPr>
+          <a:xfrm>
+            <a:off x="7131252" y="2248170"/>
+            <a:ext cx="1242000" cy="276999"/>
+          </a:xfrm>
+          <a:prstGeom prst="rect">
+            <a:avLst/>
+          </a:prstGeom>
+          <a:noFill/>
+          <a:ln>
+            <a:solidFill>
+              <a:schemeClr val="tx1"/>
+            </a:solidFill>
+          </a:ln>
+        </p:spPr>
+        <p:txBody>
+          <a:bodyPr wrap="square" rtlCol="0">
+            <a:spAutoFit/>
+          </a:bodyPr>
+          <a:lstStyle/>
+          <a:p>
+            <a:r>
+              <a:rPr lang="en-GB" sz="1200" dirty="0">
+                <a:latin typeface="Futura Medium" panose="020B0602020204020303" pitchFamily="34" charset="-79"/>
+                <a:cs typeface="Futura Medium" panose="020B0602020204020303" pitchFamily="34" charset="-79"/>
+              </a:rPr>
+              <a:t>Advanced</a:t>
+            </a:r>
+          </a:p>
+        </p:txBody>
+      </p:sp>
+      <p:pic>
+        <p:nvPicPr>
+          <p:cNvPr id="44" name="Graphic 43" descr="Easel">
+            <a:extLst>
+              <a:ext uri="{FF2B5EF4-FFF2-40B4-BE49-F238E27FC236}">
+                <a16:creationId xmlns:a16="http://schemas.microsoft.com/office/drawing/2014/main" id="{A58360FE-6E6D-6F4F-BBC6-2303ABBF6181}"/>
+              </a:ext>
+            </a:extLst>
+          </p:cNvPr>
+          <p:cNvPicPr>
+            <a:picLocks noChangeAspect="1"/>
+          </p:cNvPicPr>
+          <p:nvPr/>
+        </p:nvPicPr>
+        <p:blipFill>
+          <a:blip r:embed="rId12">
+            <a:extLst>
+              <a:ext uri="{96DAC541-7B7A-43D3-8B79-37D633B846F1}">
+                <asvg:svgBlip xmlns:asvg="http://schemas.microsoft.com/office/drawing/2016/SVG/main" r:embed="rId13"/>
+              </a:ext>
+            </a:extLst>
+          </a:blip>
+          <a:stretch>
+            <a:fillRect/>
+          </a:stretch>
+        </p:blipFill>
+        <p:spPr>
+          <a:xfrm>
+            <a:off x="8059206" y="2253709"/>
+            <a:ext cx="270000" cy="270000"/>
+          </a:xfrm>
+          <a:prstGeom prst="rect">
+            <a:avLst/>
+          </a:prstGeom>
+        </p:spPr>
+      </p:pic>
+      <p:pic>
+        <p:nvPicPr>
+          <p:cNvPr id="46" name="Graphic 45" descr="Mathematics">
+            <a:extLst>
+              <a:ext uri="{FF2B5EF4-FFF2-40B4-BE49-F238E27FC236}">
+                <a16:creationId xmlns:a16="http://schemas.microsoft.com/office/drawing/2014/main" id="{E80403C6-5337-D34F-84D9-2861D9F2C92B}"/>
+              </a:ext>
+            </a:extLst>
+          </p:cNvPr>
+          <p:cNvPicPr>
+            <a:picLocks noChangeAspect="1"/>
+          </p:cNvPicPr>
+          <p:nvPr/>
+        </p:nvPicPr>
+        <p:blipFill>
+          <a:blip r:embed="rId14">
+            <a:extLst>
+              <a:ext uri="{96DAC541-7B7A-43D3-8B79-37D633B846F1}">
+                <asvg:svgBlip xmlns:asvg="http://schemas.microsoft.com/office/drawing/2016/SVG/main" r:embed="rId15"/>
+              </a:ext>
+            </a:extLst>
+          </a:blip>
+          <a:stretch>
+            <a:fillRect/>
+          </a:stretch>
+        </p:blipFill>
+        <p:spPr>
+          <a:xfrm>
+            <a:off x="3880411" y="1012348"/>
+            <a:ext cx="540000" cy="540000"/>
+          </a:xfrm>
+          <a:prstGeom prst="rect">
+            <a:avLst/>
+          </a:prstGeom>
+        </p:spPr>
+      </p:pic>
+      <p:pic>
+        <p:nvPicPr>
+          <p:cNvPr id="47" name="Graphic 46" descr="Presentation with bar chart">
+            <a:extLst>
+              <a:ext uri="{FF2B5EF4-FFF2-40B4-BE49-F238E27FC236}">
+                <a16:creationId xmlns:a16="http://schemas.microsoft.com/office/drawing/2014/main" id="{C64F7AE5-A625-D14A-B0E0-F54DC4D68379}"/>
+              </a:ext>
+            </a:extLst>
+          </p:cNvPr>
+          <p:cNvPicPr>
+            <a:picLocks noChangeAspect="1"/>
+          </p:cNvPicPr>
+          <p:nvPr/>
+        </p:nvPicPr>
+        <p:blipFill>
+          <a:blip r:embed="rId16">
+            <a:extLst>
+              <a:ext uri="{96DAC541-7B7A-43D3-8B79-37D633B846F1}">
+                <asvg:svgBlip xmlns:asvg="http://schemas.microsoft.com/office/drawing/2016/SVG/main" r:embed="rId17"/>
+              </a:ext>
+            </a:extLst>
+          </a:blip>
+          <a:stretch>
+            <a:fillRect/>
+          </a:stretch>
+        </p:blipFill>
+        <p:spPr>
+          <a:xfrm>
+            <a:off x="7482252" y="982421"/>
+            <a:ext cx="540000" cy="540000"/>
+          </a:xfrm>
+          <a:prstGeom prst="rect">
+            <a:avLst/>
+          </a:prstGeom>
+        </p:spPr>
+      </p:pic>
+      <p:pic>
+        <p:nvPicPr>
+          <p:cNvPr id="48" name="Graphic 47" descr="Arrow circle">
+            <a:extLst>
+              <a:ext uri="{FF2B5EF4-FFF2-40B4-BE49-F238E27FC236}">
+                <a16:creationId xmlns:a16="http://schemas.microsoft.com/office/drawing/2014/main" id="{9C3A91A9-AC5E-D249-8635-B66F6D565DDE}"/>
+              </a:ext>
+            </a:extLst>
+          </p:cNvPr>
+          <p:cNvPicPr>
+            <a:picLocks noChangeAspect="1"/>
+          </p:cNvPicPr>
+          <p:nvPr/>
+        </p:nvPicPr>
+        <p:blipFill>
+          <a:blip r:embed="rId18">
+            <a:extLst>
+              <a:ext uri="{96DAC541-7B7A-43D3-8B79-37D633B846F1}">
+                <asvg:svgBlip xmlns:asvg="http://schemas.microsoft.com/office/drawing/2016/SVG/main" r:embed="rId19"/>
+              </a:ext>
+            </a:extLst>
+          </a:blip>
+          <a:stretch>
+            <a:fillRect/>
+          </a:stretch>
+        </p:blipFill>
+        <p:spPr>
+          <a:xfrm>
+            <a:off x="5805774" y="982421"/>
+            <a:ext cx="540000" cy="540000"/>
+          </a:xfrm>
+          <a:prstGeom prst="rect">
+            <a:avLst/>
+          </a:prstGeom>
+        </p:spPr>
+      </p:pic>
+      <p:sp>
+        <p:nvSpPr>
+          <p:cNvPr id="49" name="TextBox 48">
+            <a:extLst>
+              <a:ext uri="{FF2B5EF4-FFF2-40B4-BE49-F238E27FC236}">
+                <a16:creationId xmlns:a16="http://schemas.microsoft.com/office/drawing/2014/main" id="{6765D1D5-335B-AD47-96A6-97B1094B33E1}"/>
+              </a:ext>
+            </a:extLst>
+          </p:cNvPr>
+          <p:cNvSpPr txBox="1"/>
+          <p:nvPr/>
+        </p:nvSpPr>
+        <p:spPr>
+          <a:xfrm>
+            <a:off x="1752507" y="4101295"/>
+            <a:ext cx="1242000" cy="400110"/>
+          </a:xfrm>
+          <a:prstGeom prst="rect">
+            <a:avLst/>
+          </a:prstGeom>
+          <a:noFill/>
+          <a:ln>
+            <a:solidFill>
+              <a:schemeClr val="tx1"/>
+            </a:solidFill>
+          </a:ln>
+        </p:spPr>
+        <p:txBody>
+          <a:bodyPr wrap="square" rtlCol="0">
+            <a:spAutoFit/>
+          </a:bodyPr>
+          <a:lstStyle/>
+          <a:p>
+            <a:pPr algn="ctr"/>
+            <a:r>
+              <a:rPr lang="en-US" sz="1000" dirty="0" err="1">
+                <a:latin typeface="Courier" pitchFamily="2" charset="0"/>
+              </a:rPr>
+              <a:t>gdalUtils</a:t>
+            </a:r>
+            <a:endParaRPr lang="en-GB" sz="1000" dirty="0">
+              <a:latin typeface="Courier" pitchFamily="2" charset="0"/>
+              <a:cs typeface="Futura Medium" panose="020B0602020204020303" pitchFamily="34" charset="-79"/>
+            </a:endParaRPr>
+          </a:p>
+          <a:p>
+            <a:pPr algn="ctr"/>
+            <a:r>
+              <a:rPr lang="en-US" sz="1000" dirty="0">
+                <a:latin typeface="Courier" pitchFamily="2" charset="0"/>
+                <a:cs typeface="Futura Medium" panose="020B0602020204020303" pitchFamily="34" charset="-79"/>
+              </a:rPr>
+              <a:t>rgrass7</a:t>
+            </a:r>
+            <a:endParaRPr lang="en-GB" sz="1000" dirty="0">
+              <a:latin typeface="Courier" pitchFamily="2" charset="0"/>
+              <a:cs typeface="Futura Medium" panose="020B0602020204020303" pitchFamily="34" charset="-79"/>
+            </a:endParaRPr>
+          </a:p>
+        </p:txBody>
+      </p:sp>
+      <p:sp>
+        <p:nvSpPr>
+          <p:cNvPr id="50" name="TextBox 49">
+            <a:extLst>
+              <a:ext uri="{FF2B5EF4-FFF2-40B4-BE49-F238E27FC236}">
+                <a16:creationId xmlns:a16="http://schemas.microsoft.com/office/drawing/2014/main" id="{0F245C10-CE08-AE44-BF9E-4E005A59D5CF}"/>
+              </a:ext>
+            </a:extLst>
+          </p:cNvPr>
+          <p:cNvSpPr txBox="1"/>
+          <p:nvPr/>
+        </p:nvSpPr>
+        <p:spPr>
+          <a:xfrm>
+            <a:off x="1752507" y="3824296"/>
+            <a:ext cx="1242000" cy="276999"/>
+          </a:xfrm>
+          <a:prstGeom prst="rect">
+            <a:avLst/>
+          </a:prstGeom>
+          <a:noFill/>
+          <a:ln>
+            <a:solidFill>
+              <a:schemeClr val="tx1"/>
+            </a:solidFill>
+          </a:ln>
+        </p:spPr>
+        <p:txBody>
+          <a:bodyPr wrap="square" rtlCol="0">
+            <a:spAutoFit/>
+          </a:bodyPr>
+          <a:lstStyle/>
+          <a:p>
+            <a:r>
+              <a:rPr lang="en-GB" sz="1200" dirty="0">
+                <a:latin typeface="Futura Medium" panose="020B0602020204020303" pitchFamily="34" charset="-79"/>
+                <a:cs typeface="Futura Medium" panose="020B0602020204020303" pitchFamily="34" charset="-79"/>
+              </a:rPr>
+              <a:t>Bridge tools</a:t>
+            </a:r>
+          </a:p>
+        </p:txBody>
+      </p:sp>
+      <p:pic>
+        <p:nvPicPr>
+          <p:cNvPr id="51" name="Graphic 50" descr="Bridge scene with solid fill">
+            <a:extLst>
+              <a:ext uri="{FF2B5EF4-FFF2-40B4-BE49-F238E27FC236}">
+                <a16:creationId xmlns:a16="http://schemas.microsoft.com/office/drawing/2014/main" id="{66C76B15-9568-BA4A-8DC8-099ED45803A9}"/>
+              </a:ext>
+            </a:extLst>
+          </p:cNvPr>
+          <p:cNvPicPr>
+            <a:picLocks noChangeAspect="1"/>
+          </p:cNvPicPr>
+          <p:nvPr/>
+        </p:nvPicPr>
+        <p:blipFill>
+          <a:blip r:embed="rId20">
+            <a:extLst>
+              <a:ext uri="{96DAC541-7B7A-43D3-8B79-37D633B846F1}">
+                <asvg:svgBlip xmlns:asvg="http://schemas.microsoft.com/office/drawing/2016/SVG/main" r:embed="rId21"/>
+              </a:ext>
+            </a:extLst>
+          </a:blip>
+          <a:stretch>
+            <a:fillRect/>
+          </a:stretch>
+        </p:blipFill>
+        <p:spPr>
+          <a:xfrm>
+            <a:off x="2695636" y="3796323"/>
+            <a:ext cx="270000" cy="270000"/>
+          </a:xfrm>
+          <a:prstGeom prst="rect">
+            <a:avLst/>
+          </a:prstGeom>
+        </p:spPr>
+      </p:pic>
+      <p:cxnSp>
+        <p:nvCxnSpPr>
+          <p:cNvPr id="70" name="Straight Connector 69">
+            <a:extLst>
+              <a:ext uri="{FF2B5EF4-FFF2-40B4-BE49-F238E27FC236}">
+                <a16:creationId xmlns:a16="http://schemas.microsoft.com/office/drawing/2014/main" id="{622A0BD9-C157-ED45-B80D-7B65D397947E}"/>
+              </a:ext>
+            </a:extLst>
+          </p:cNvPr>
+          <p:cNvCxnSpPr>
+            <a:cxnSpLocks/>
+            <a:stCxn id="3" idx="2"/>
+            <a:endCxn id="9" idx="0"/>
+          </p:cNvCxnSpPr>
+          <p:nvPr/>
+        </p:nvCxnSpPr>
+        <p:spPr>
+          <a:xfrm>
+            <a:off x="875376" y="2923819"/>
+            <a:ext cx="0" cy="115473"/>
+          </a:xfrm>
+          <a:prstGeom prst="line">
+            <a:avLst/>
+          </a:prstGeom>
+          <a:ln w="38100">
+            <a:solidFill>
+              <a:schemeClr val="tx1"/>
+            </a:solidFill>
+          </a:ln>
+        </p:spPr>
+        <p:style>
+          <a:lnRef idx="1">
+            <a:schemeClr val="accent1"/>
+          </a:lnRef>
+          <a:fillRef idx="0">
+            <a:schemeClr val="accent1"/>
+          </a:fillRef>
+          <a:effectRef idx="0">
+            <a:schemeClr val="accent1"/>
+          </a:effectRef>
+          <a:fontRef idx="minor">
+            <a:schemeClr val="tx1"/>
+          </a:fontRef>
+        </p:style>
+      </p:cxnSp>
+      <p:cxnSp>
+        <p:nvCxnSpPr>
+          <p:cNvPr id="73" name="Straight Connector 72">
+            <a:extLst>
+              <a:ext uri="{FF2B5EF4-FFF2-40B4-BE49-F238E27FC236}">
+                <a16:creationId xmlns:a16="http://schemas.microsoft.com/office/drawing/2014/main" id="{0FF2BA89-D6ED-EC49-8032-2097B17AE7DC}"/>
+              </a:ext>
+            </a:extLst>
+          </p:cNvPr>
+          <p:cNvCxnSpPr>
+            <a:cxnSpLocks/>
+            <a:stCxn id="8" idx="2"/>
+            <a:endCxn id="11" idx="0"/>
+          </p:cNvCxnSpPr>
+          <p:nvPr/>
+        </p:nvCxnSpPr>
+        <p:spPr>
+          <a:xfrm flipH="1">
+            <a:off x="875376" y="3716401"/>
+            <a:ext cx="2404" cy="107895"/>
+          </a:xfrm>
+          <a:prstGeom prst="line">
+            <a:avLst/>
+          </a:prstGeom>
+          <a:ln w="38100">
+            <a:solidFill>
+              <a:schemeClr val="tx1"/>
+            </a:solidFill>
+          </a:ln>
+        </p:spPr>
+        <p:style>
+          <a:lnRef idx="1">
+            <a:schemeClr val="accent1"/>
+          </a:lnRef>
+          <a:fillRef idx="0">
+            <a:schemeClr val="accent1"/>
+          </a:fillRef>
+          <a:effectRef idx="0">
+            <a:schemeClr val="accent1"/>
+          </a:effectRef>
+          <a:fontRef idx="minor">
+            <a:schemeClr val="tx1"/>
+          </a:fontRef>
+        </p:style>
+      </p:cxnSp>
+      <p:cxnSp>
+        <p:nvCxnSpPr>
+          <p:cNvPr id="76" name="Straight Connector 75">
+            <a:extLst>
+              <a:ext uri="{FF2B5EF4-FFF2-40B4-BE49-F238E27FC236}">
+                <a16:creationId xmlns:a16="http://schemas.microsoft.com/office/drawing/2014/main" id="{1833663A-6ABB-EC42-9873-EC7D299ADB2E}"/>
+              </a:ext>
+            </a:extLst>
+          </p:cNvPr>
+          <p:cNvCxnSpPr>
+            <a:cxnSpLocks/>
+            <a:stCxn id="43" idx="0"/>
+            <a:endCxn id="19" idx="2"/>
+          </p:cNvCxnSpPr>
+          <p:nvPr/>
+        </p:nvCxnSpPr>
+        <p:spPr>
+          <a:xfrm flipV="1">
+            <a:off x="7752252" y="2086428"/>
+            <a:ext cx="0" cy="161742"/>
+          </a:xfrm>
+          <a:prstGeom prst="line">
+            <a:avLst/>
+          </a:prstGeom>
+          <a:ln w="38100">
+            <a:solidFill>
+              <a:schemeClr val="tx1"/>
+            </a:solidFill>
+          </a:ln>
+        </p:spPr>
+        <p:style>
+          <a:lnRef idx="1">
+            <a:schemeClr val="accent1"/>
+          </a:lnRef>
+          <a:fillRef idx="0">
+            <a:schemeClr val="accent1"/>
+          </a:fillRef>
+          <a:effectRef idx="0">
+            <a:schemeClr val="accent1"/>
+          </a:effectRef>
+          <a:fontRef idx="minor">
+            <a:schemeClr val="tx1"/>
+          </a:fontRef>
+        </p:style>
+      </p:cxnSp>
+      <p:cxnSp>
+        <p:nvCxnSpPr>
+          <p:cNvPr id="79" name="Straight Connector 78">
+            <a:extLst>
+              <a:ext uri="{FF2B5EF4-FFF2-40B4-BE49-F238E27FC236}">
+                <a16:creationId xmlns:a16="http://schemas.microsoft.com/office/drawing/2014/main" id="{522BECFC-A959-CA44-9856-CE17AC23F234}"/>
+              </a:ext>
+            </a:extLst>
+          </p:cNvPr>
+          <p:cNvCxnSpPr>
+            <a:cxnSpLocks/>
+            <a:stCxn id="23" idx="2"/>
+            <a:endCxn id="50" idx="0"/>
+          </p:cNvCxnSpPr>
+          <p:nvPr/>
+        </p:nvCxnSpPr>
+        <p:spPr>
+          <a:xfrm flipH="1">
+            <a:off x="2373507" y="3716349"/>
+            <a:ext cx="3199" cy="107947"/>
+          </a:xfrm>
+          <a:prstGeom prst="line">
+            <a:avLst/>
+          </a:prstGeom>
+          <a:ln w="38100">
+            <a:solidFill>
+              <a:schemeClr val="tx1"/>
+            </a:solidFill>
+          </a:ln>
+        </p:spPr>
+        <p:style>
+          <a:lnRef idx="1">
+            <a:schemeClr val="accent1"/>
+          </a:lnRef>
+          <a:fillRef idx="0">
+            <a:schemeClr val="accent1"/>
+          </a:fillRef>
+          <a:effectRef idx="0">
+            <a:schemeClr val="accent1"/>
+          </a:effectRef>
+          <a:fontRef idx="minor">
+            <a:schemeClr val="tx1"/>
+          </a:fontRef>
+        </p:style>
+      </p:cxnSp>
+      <p:cxnSp>
+        <p:nvCxnSpPr>
+          <p:cNvPr id="82" name="Straight Connector 81">
+            <a:extLst>
+              <a:ext uri="{FF2B5EF4-FFF2-40B4-BE49-F238E27FC236}">
+                <a16:creationId xmlns:a16="http://schemas.microsoft.com/office/drawing/2014/main" id="{968738E2-6275-2848-8199-839AE2CBAA0F}"/>
+              </a:ext>
+            </a:extLst>
+          </p:cNvPr>
+          <p:cNvCxnSpPr>
+            <a:cxnSpLocks/>
+            <a:stCxn id="24" idx="0"/>
+            <a:endCxn id="21" idx="2"/>
+          </p:cNvCxnSpPr>
+          <p:nvPr/>
+        </p:nvCxnSpPr>
+        <p:spPr>
+          <a:xfrm flipV="1">
+            <a:off x="2376706" y="2925711"/>
+            <a:ext cx="0" cy="111634"/>
+          </a:xfrm>
+          <a:prstGeom prst="line">
+            <a:avLst/>
+          </a:prstGeom>
+          <a:ln w="38100">
+            <a:solidFill>
+              <a:schemeClr val="tx1"/>
+            </a:solidFill>
+          </a:ln>
+        </p:spPr>
+        <p:style>
+          <a:lnRef idx="1">
+            <a:schemeClr val="accent1"/>
+          </a:lnRef>
+          <a:fillRef idx="0">
+            <a:schemeClr val="accent1"/>
+          </a:fillRef>
+          <a:effectRef idx="0">
+            <a:schemeClr val="accent1"/>
+          </a:effectRef>
+          <a:fontRef idx="minor">
+            <a:schemeClr val="tx1"/>
+          </a:fontRef>
+        </p:style>
+      </p:cxnSp>
+      <p:cxnSp>
+        <p:nvCxnSpPr>
+          <p:cNvPr id="85" name="Straight Connector 84">
+            <a:extLst>
+              <a:ext uri="{FF2B5EF4-FFF2-40B4-BE49-F238E27FC236}">
+                <a16:creationId xmlns:a16="http://schemas.microsoft.com/office/drawing/2014/main" id="{49BB1740-2772-8541-B81E-D2C452047B90}"/>
+              </a:ext>
+            </a:extLst>
+          </p:cNvPr>
+          <p:cNvCxnSpPr>
+            <a:cxnSpLocks/>
+            <a:stCxn id="22" idx="0"/>
+            <a:endCxn id="5" idx="2"/>
+          </p:cNvCxnSpPr>
+          <p:nvPr/>
+        </p:nvCxnSpPr>
+        <p:spPr>
+          <a:xfrm flipV="1">
+            <a:off x="2382257" y="2086428"/>
+            <a:ext cx="4791" cy="160282"/>
+          </a:xfrm>
+          <a:prstGeom prst="line">
+            <a:avLst/>
+          </a:prstGeom>
+          <a:ln w="38100">
+            <a:solidFill>
+              <a:schemeClr val="tx1"/>
+            </a:solidFill>
+          </a:ln>
+        </p:spPr>
+        <p:style>
+          <a:lnRef idx="1">
+            <a:schemeClr val="accent1"/>
+          </a:lnRef>
+          <a:fillRef idx="0">
+            <a:schemeClr val="accent1"/>
+          </a:fillRef>
+          <a:effectRef idx="0">
+            <a:schemeClr val="accent1"/>
+          </a:effectRef>
+          <a:fontRef idx="minor">
+            <a:schemeClr val="tx1"/>
+          </a:fontRef>
+        </p:style>
+      </p:cxnSp>
+      <p:cxnSp>
+        <p:nvCxnSpPr>
+          <p:cNvPr id="88" name="Straight Connector 87">
+            <a:extLst>
+              <a:ext uri="{FF2B5EF4-FFF2-40B4-BE49-F238E27FC236}">
+                <a16:creationId xmlns:a16="http://schemas.microsoft.com/office/drawing/2014/main" id="{2F7FEF7F-A1B5-CF4D-A8B6-0A478EAB419D}"/>
+              </a:ext>
+            </a:extLst>
+          </p:cNvPr>
+          <p:cNvCxnSpPr>
+            <a:cxnSpLocks/>
+            <a:stCxn id="31" idx="0"/>
+            <a:endCxn id="18" idx="2"/>
+          </p:cNvCxnSpPr>
+          <p:nvPr/>
+        </p:nvCxnSpPr>
+        <p:spPr>
+          <a:xfrm flipV="1">
+            <a:off x="4152038" y="2086674"/>
+            <a:ext cx="2018" cy="160036"/>
+          </a:xfrm>
+          <a:prstGeom prst="line">
+            <a:avLst/>
+          </a:prstGeom>
+          <a:ln w="38100">
+            <a:solidFill>
+              <a:schemeClr val="tx1"/>
+            </a:solidFill>
+          </a:ln>
+        </p:spPr>
+        <p:style>
+          <a:lnRef idx="1">
+            <a:schemeClr val="accent1"/>
+          </a:lnRef>
+          <a:fillRef idx="0">
+            <a:schemeClr val="accent1"/>
+          </a:fillRef>
+          <a:effectRef idx="0">
+            <a:schemeClr val="accent1"/>
+          </a:effectRef>
+          <a:fontRef idx="minor">
+            <a:schemeClr val="tx1"/>
+          </a:fontRef>
+        </p:style>
+      </p:cxnSp>
+      <p:cxnSp>
+        <p:nvCxnSpPr>
+          <p:cNvPr id="89" name="Straight Connector 88">
+            <a:extLst>
+              <a:ext uri="{FF2B5EF4-FFF2-40B4-BE49-F238E27FC236}">
+                <a16:creationId xmlns:a16="http://schemas.microsoft.com/office/drawing/2014/main" id="{39552BAC-CAA4-8F48-847C-25DE54A42A1B}"/>
+              </a:ext>
+            </a:extLst>
+          </p:cNvPr>
+          <p:cNvCxnSpPr>
+            <a:cxnSpLocks/>
+            <a:stCxn id="36" idx="0"/>
+            <a:endCxn id="30" idx="2"/>
+          </p:cNvCxnSpPr>
+          <p:nvPr/>
+        </p:nvCxnSpPr>
+        <p:spPr>
+          <a:xfrm flipH="1" flipV="1">
+            <a:off x="4150411" y="2924771"/>
+            <a:ext cx="6047" cy="112574"/>
+          </a:xfrm>
+          <a:prstGeom prst="line">
+            <a:avLst/>
+          </a:prstGeom>
+          <a:ln w="38100">
+            <a:solidFill>
+              <a:schemeClr val="tx1"/>
+            </a:solidFill>
+          </a:ln>
+        </p:spPr>
+        <p:style>
+          <a:lnRef idx="1">
+            <a:schemeClr val="accent1"/>
+          </a:lnRef>
+          <a:fillRef idx="0">
+            <a:schemeClr val="accent1"/>
+          </a:fillRef>
+          <a:effectRef idx="0">
+            <a:schemeClr val="accent1"/>
+          </a:effectRef>
+          <a:fontRef idx="minor">
+            <a:schemeClr val="tx1"/>
+          </a:fontRef>
+        </p:style>
+      </p:cxnSp>
+      <p:cxnSp>
+        <p:nvCxnSpPr>
+          <p:cNvPr id="94" name="Straight Connector 93">
+            <a:extLst>
+              <a:ext uri="{FF2B5EF4-FFF2-40B4-BE49-F238E27FC236}">
+                <a16:creationId xmlns:a16="http://schemas.microsoft.com/office/drawing/2014/main" id="{020E0DD5-11E5-6946-9D23-EA6675E2FF2D}"/>
+              </a:ext>
+            </a:extLst>
+          </p:cNvPr>
+          <p:cNvCxnSpPr>
+            <a:cxnSpLocks/>
+            <a:stCxn id="39" idx="0"/>
+            <a:endCxn id="6" idx="2"/>
+          </p:cNvCxnSpPr>
+          <p:nvPr/>
+        </p:nvCxnSpPr>
+        <p:spPr>
+          <a:xfrm flipV="1">
+            <a:off x="6078643" y="2086428"/>
+            <a:ext cx="4422" cy="154041"/>
+          </a:xfrm>
+          <a:prstGeom prst="line">
+            <a:avLst/>
+          </a:prstGeom>
+          <a:ln w="38100">
+            <a:solidFill>
+              <a:schemeClr val="tx1"/>
+            </a:solidFill>
+          </a:ln>
+        </p:spPr>
+        <p:style>
+          <a:lnRef idx="1">
+            <a:schemeClr val="accent1"/>
+          </a:lnRef>
+          <a:fillRef idx="0">
+            <a:schemeClr val="accent1"/>
+          </a:fillRef>
+          <a:effectRef idx="0">
+            <a:schemeClr val="accent1"/>
+          </a:effectRef>
+          <a:fontRef idx="minor">
+            <a:schemeClr val="tx1"/>
+          </a:fontRef>
+        </p:style>
+      </p:cxnSp>
+    </p:spTree>
+    <p:extLst>
+      <p:ext uri="{BB962C8B-B14F-4D97-AF65-F5344CB8AC3E}">
+        <p14:creationId xmlns:p14="http://schemas.microsoft.com/office/powerpoint/2010/main" val="2448952100"/>
+      </p:ext>
+    </p:extLst>
+  </p:cSld>
+  <p:clrMapOvr>
+    <a:masterClrMapping/>
+  </p:clrMapOvr>
+</p:sld>
+</file>
+
 <file path=ppt/theme/theme1.xml><?xml version="1.0" encoding="utf-8"?>
 <a:theme xmlns:a="http://schemas.openxmlformats.org/drawingml/2006/main" name="Office Theme">
   <a:themeElements>
